--- a/PolliNet.pptx
+++ b/PolliNet.pptx
@@ -7,15 +7,14 @@
   <p:sldIdLst>
     <p:sldId id="256" r:id="rId2"/>
     <p:sldId id="265" r:id="rId3"/>
-    <p:sldId id="257" r:id="rId4"/>
-    <p:sldId id="258" r:id="rId5"/>
-    <p:sldId id="259" r:id="rId6"/>
-    <p:sldId id="260" r:id="rId7"/>
-    <p:sldId id="261" r:id="rId8"/>
-    <p:sldId id="262" r:id="rId9"/>
-    <p:sldId id="263" r:id="rId10"/>
-    <p:sldId id="266" r:id="rId11"/>
-    <p:sldId id="264" r:id="rId12"/>
+    <p:sldId id="260" r:id="rId4"/>
+    <p:sldId id="257" r:id="rId5"/>
+    <p:sldId id="258" r:id="rId6"/>
+    <p:sldId id="261" r:id="rId7"/>
+    <p:sldId id="262" r:id="rId8"/>
+    <p:sldId id="263" r:id="rId9"/>
+    <p:sldId id="266" r:id="rId10"/>
+    <p:sldId id="264" r:id="rId11"/>
   </p:sldIdLst>
   <p:sldSz cx="12192000" cy="6858000"/>
   <p:notesSz cx="6858000" cy="9144000"/>
@@ -261,7 +260,7 @@
           <a:p>
             <a:fld id="{846CE7D5-CF57-46EF-B807-FDD0502418D4}" type="datetimeFigureOut">
               <a:rPr lang="en-US" smtClean="0"/>
-              <a:t>8/24/2019</a:t>
+              <a:t>8/25/19</a:t>
             </a:fld>
             <a:endParaRPr lang="en-US"/>
           </a:p>
@@ -431,7 +430,7 @@
           <a:p>
             <a:fld id="{846CE7D5-CF57-46EF-B807-FDD0502418D4}" type="datetimeFigureOut">
               <a:rPr lang="en-US" smtClean="0"/>
-              <a:t>8/24/2019</a:t>
+              <a:t>8/25/19</a:t>
             </a:fld>
             <a:endParaRPr lang="en-US"/>
           </a:p>
@@ -611,7 +610,7 @@
           <a:p>
             <a:fld id="{846CE7D5-CF57-46EF-B807-FDD0502418D4}" type="datetimeFigureOut">
               <a:rPr lang="en-US" smtClean="0"/>
-              <a:t>8/24/2019</a:t>
+              <a:t>8/25/19</a:t>
             </a:fld>
             <a:endParaRPr lang="en-US"/>
           </a:p>
@@ -781,7 +780,7 @@
           <a:p>
             <a:fld id="{846CE7D5-CF57-46EF-B807-FDD0502418D4}" type="datetimeFigureOut">
               <a:rPr lang="en-US" smtClean="0"/>
-              <a:t>8/24/2019</a:t>
+              <a:t>8/25/19</a:t>
             </a:fld>
             <a:endParaRPr lang="en-US"/>
           </a:p>
@@ -1027,7 +1026,7 @@
           <a:p>
             <a:fld id="{846CE7D5-CF57-46EF-B807-FDD0502418D4}" type="datetimeFigureOut">
               <a:rPr lang="en-US" smtClean="0"/>
-              <a:t>8/24/2019</a:t>
+              <a:t>8/25/19</a:t>
             </a:fld>
             <a:endParaRPr lang="en-US"/>
           </a:p>
@@ -1259,7 +1258,7 @@
           <a:p>
             <a:fld id="{846CE7D5-CF57-46EF-B807-FDD0502418D4}" type="datetimeFigureOut">
               <a:rPr lang="en-US" smtClean="0"/>
-              <a:t>8/24/2019</a:t>
+              <a:t>8/25/19</a:t>
             </a:fld>
             <a:endParaRPr lang="en-US"/>
           </a:p>
@@ -1626,7 +1625,7 @@
           <a:p>
             <a:fld id="{846CE7D5-CF57-46EF-B807-FDD0502418D4}" type="datetimeFigureOut">
               <a:rPr lang="en-US" smtClean="0"/>
-              <a:t>8/24/2019</a:t>
+              <a:t>8/25/19</a:t>
             </a:fld>
             <a:endParaRPr lang="en-US"/>
           </a:p>
@@ -1744,7 +1743,7 @@
           <a:p>
             <a:fld id="{846CE7D5-CF57-46EF-B807-FDD0502418D4}" type="datetimeFigureOut">
               <a:rPr lang="en-US" smtClean="0"/>
-              <a:t>8/24/2019</a:t>
+              <a:t>8/25/19</a:t>
             </a:fld>
             <a:endParaRPr lang="en-US"/>
           </a:p>
@@ -1839,7 +1838,7 @@
           <a:p>
             <a:fld id="{846CE7D5-CF57-46EF-B807-FDD0502418D4}" type="datetimeFigureOut">
               <a:rPr lang="en-US" smtClean="0"/>
-              <a:t>8/24/2019</a:t>
+              <a:t>8/25/19</a:t>
             </a:fld>
             <a:endParaRPr lang="en-US"/>
           </a:p>
@@ -2116,7 +2115,7 @@
           <a:p>
             <a:fld id="{846CE7D5-CF57-46EF-B807-FDD0502418D4}" type="datetimeFigureOut">
               <a:rPr lang="en-US" smtClean="0"/>
-              <a:t>8/24/2019</a:t>
+              <a:t>8/25/19</a:t>
             </a:fld>
             <a:endParaRPr lang="en-US"/>
           </a:p>
@@ -2373,7 +2372,7 @@
           <a:p>
             <a:fld id="{846CE7D5-CF57-46EF-B807-FDD0502418D4}" type="datetimeFigureOut">
               <a:rPr lang="en-US" smtClean="0"/>
-              <a:t>8/24/2019</a:t>
+              <a:t>8/25/19</a:t>
             </a:fld>
             <a:endParaRPr lang="en-US"/>
           </a:p>
@@ -2586,7 +2585,7 @@
           <a:p>
             <a:fld id="{846CE7D5-CF57-46EF-B807-FDD0502418D4}" type="datetimeFigureOut">
               <a:rPr lang="en-US" smtClean="0"/>
-              <a:t>8/24/2019</a:t>
+              <a:t>8/25/19</a:t>
             </a:fld>
             <a:endParaRPr lang="en-US"/>
           </a:p>
@@ -3071,104 +3070,6 @@
           <p:cNvPr id="2" name="Title 1">
             <a:extLst>
               <a:ext uri="{FF2B5EF4-FFF2-40B4-BE49-F238E27FC236}">
-                <a16:creationId xmlns:a16="http://schemas.microsoft.com/office/drawing/2014/main" id="{DFE1313C-3EA5-47AA-9AAB-B68411BA9A3E}"/>
-              </a:ext>
-            </a:extLst>
-          </p:cNvPr>
-          <p:cNvSpPr>
-            <a:spLocks noGrp="1"/>
-          </p:cNvSpPr>
-          <p:nvPr>
-            <p:ph type="title"/>
-          </p:nvPr>
-        </p:nvSpPr>
-        <p:spPr>
-          <a:xfrm>
-            <a:off x="838200" y="133897"/>
-            <a:ext cx="10515600" cy="495245"/>
-          </a:xfrm>
-        </p:spPr>
-        <p:txBody>
-          <a:bodyPr>
-            <a:normAutofit fontScale="90000"/>
-          </a:bodyPr>
-          <a:lstStyle/>
-          <a:p>
-            <a:pPr algn="ctr"/>
-            <a:r>
-              <a:rPr lang="en-US" b="1" u="sng" dirty="0">
-                <a:cs typeface="Calibri Light"/>
-              </a:rPr>
-              <a:t>More challenges a priori ?</a:t>
-            </a:r>
-          </a:p>
-        </p:txBody>
-      </p:sp>
-      <p:sp>
-        <p:nvSpPr>
-          <p:cNvPr id="3" name="Content Placeholder 2">
-            <a:extLst>
-              <a:ext uri="{FF2B5EF4-FFF2-40B4-BE49-F238E27FC236}">
-                <a16:creationId xmlns:a16="http://schemas.microsoft.com/office/drawing/2014/main" id="{B6090145-DFDF-46E5-AE37-6265FA983463}"/>
-              </a:ext>
-            </a:extLst>
-          </p:cNvPr>
-          <p:cNvSpPr>
-            <a:spLocks noGrp="1"/>
-          </p:cNvSpPr>
-          <p:nvPr>
-            <p:ph idx="1"/>
-          </p:nvPr>
-        </p:nvSpPr>
-        <p:spPr>
-          <a:xfrm>
-            <a:off x="838200" y="722039"/>
-            <a:ext cx="10515600" cy="4351338"/>
-          </a:xfrm>
-        </p:spPr>
-        <p:txBody>
-          <a:bodyPr/>
-          <a:lstStyle/>
-          <a:p>
-            <a:endParaRPr lang="en-US"/>
-          </a:p>
-        </p:txBody>
-      </p:sp>
-    </p:spTree>
-    <p:extLst>
-      <p:ext uri="{BB962C8B-B14F-4D97-AF65-F5344CB8AC3E}">
-        <p14:creationId xmlns:p14="http://schemas.microsoft.com/office/powerpoint/2010/main" val="3550374173"/>
-      </p:ext>
-    </p:extLst>
-  </p:cSld>
-  <p:clrMapOvr>
-    <a:masterClrMapping/>
-  </p:clrMapOvr>
-</p:sld>
-</file>
-
-<file path=ppt/slides/slide11.xml><?xml version="1.0" encoding="utf-8"?>
-<p:sld xmlns:a="http://schemas.openxmlformats.org/drawingml/2006/main" xmlns:r="http://schemas.openxmlformats.org/officeDocument/2006/relationships" xmlns:p="http://schemas.openxmlformats.org/presentationml/2006/main">
-  <p:cSld>
-    <p:spTree>
-      <p:nvGrpSpPr>
-        <p:cNvPr id="1" name=""/>
-        <p:cNvGrpSpPr/>
-        <p:nvPr/>
-      </p:nvGrpSpPr>
-      <p:grpSpPr>
-        <a:xfrm>
-          <a:off x="0" y="0"/>
-          <a:ext cx="0" cy="0"/>
-          <a:chOff x="0" y="0"/>
-          <a:chExt cx="0" cy="0"/>
-        </a:xfrm>
-      </p:grpSpPr>
-      <p:sp>
-        <p:nvSpPr>
-          <p:cNvPr id="2" name="Title 1">
-            <a:extLst>
-              <a:ext uri="{FF2B5EF4-FFF2-40B4-BE49-F238E27FC236}">
                 <a16:creationId xmlns:a16="http://schemas.microsoft.com/office/drawing/2014/main" id="{CA608F2B-FCA5-4131-A6BB-AB2EE0F53FAA}"/>
               </a:ext>
             </a:extLst>
@@ -3252,9 +3153,9 @@
                 <a:ea typeface="+mn-lt"/>
                 <a:cs typeface="+mn-lt"/>
               </a:rPr>
-              <a:t>1. CV Model recognizes flowers from bird view.</a:t>
-            </a:r>
-            <a:endParaRPr lang="en-US">
+              <a:t>1. CV Model recognizes flowers.</a:t>
+            </a:r>
+            <a:endParaRPr lang="en-US" dirty="0">
               <a:cs typeface="Calibri" panose="020F0502020204030204"/>
             </a:endParaRPr>
           </a:p>
@@ -3293,7 +3194,7 @@
               </a:rPr>
               <a:t>30% Review: (Need a flying drone at this time).</a:t>
             </a:r>
-            <a:endParaRPr lang="en-US" b="1">
+            <a:endParaRPr lang="en-US" b="1" dirty="0">
               <a:cs typeface="Calibri"/>
             </a:endParaRPr>
           </a:p>
@@ -3305,7 +3206,7 @@
               </a:rPr>
               <a:t>1. Scout drone can explore autonomously.</a:t>
             </a:r>
-            <a:endParaRPr lang="en-US">
+            <a:endParaRPr lang="en-US" dirty="0">
               <a:cs typeface="Calibri" panose="020F0502020204030204"/>
             </a:endParaRPr>
           </a:p>
@@ -3352,7 +3253,7 @@
               </a:rPr>
               <a:t>1. Pollinators onboard PI can communicate with CC.</a:t>
             </a:r>
-            <a:endParaRPr lang="en-US">
+            <a:endParaRPr lang="en-US" dirty="0">
               <a:cs typeface="Calibri" panose="020F0502020204030204"/>
             </a:endParaRPr>
           </a:p>
@@ -3582,6 +3483,200 @@
 </file>
 
 <file path=ppt/slides/slide3.xml><?xml version="1.0" encoding="utf-8"?>
+<p:sld xmlns:a="http://schemas.openxmlformats.org/drawingml/2006/main" xmlns:r="http://schemas.openxmlformats.org/officeDocument/2006/relationships" xmlns:p="http://schemas.openxmlformats.org/presentationml/2006/main">
+  <p:cSld>
+    <p:bg>
+      <p:bgPr>
+        <a:solidFill>
+          <a:schemeClr val="bg1"/>
+        </a:solidFill>
+        <a:effectLst/>
+      </p:bgPr>
+    </p:bg>
+    <p:spTree>
+      <p:nvGrpSpPr>
+        <p:cNvPr id="1" name=""/>
+        <p:cNvGrpSpPr/>
+        <p:nvPr/>
+      </p:nvGrpSpPr>
+      <p:grpSpPr>
+        <a:xfrm>
+          <a:off x="0" y="0"/>
+          <a:ext cx="0" cy="0"/>
+          <a:chOff x="0" y="0"/>
+          <a:chExt cx="0" cy="0"/>
+        </a:xfrm>
+      </p:grpSpPr>
+      <p:sp>
+        <p:nvSpPr>
+          <p:cNvPr id="9" name="Rectangle 8">
+            <a:extLst>
+              <a:ext uri="{FF2B5EF4-FFF2-40B4-BE49-F238E27FC236}">
+                <a16:creationId xmlns:a16="http://schemas.microsoft.com/office/drawing/2014/main" id="{32BC26D8-82FB-445E-AA49-62A77D7C1EE0}"/>
+              </a:ext>
+              <a:ext uri="{C183D7F6-B498-43B3-948B-1728B52AA6E4}">
+                <adec:decorative xmlns:adec="http://schemas.microsoft.com/office/drawing/2017/decorative" val="1"/>
+              </a:ext>
+            </a:extLst>
+          </p:cNvPr>
+          <p:cNvSpPr>
+            <a:spLocks noGrp="1" noRot="1" noChangeAspect="1" noMove="1" noResize="1" noEditPoints="1" noAdjustHandles="1" noChangeArrowheads="1" noChangeShapeType="1" noTextEdit="1"/>
+          </p:cNvSpPr>
+          <p:nvPr>
+            <p:extLst>
+              <p:ext uri="{386F3935-93C4-4BCD-93E2-E3B085C9AB24}">
+                <p16:designElem xmlns:p16="http://schemas.microsoft.com/office/powerpoint/2015/main" val="1"/>
+              </p:ext>
+            </p:extLst>
+          </p:nvPr>
+        </p:nvSpPr>
+        <p:spPr>
+          <a:xfrm>
+            <a:off x="0" y="0"/>
+            <a:ext cx="12192000" cy="6858000"/>
+          </a:xfrm>
+          <a:prstGeom prst="rect">
+            <a:avLst/>
+          </a:prstGeom>
+          <a:solidFill>
+            <a:srgbClr val="416079"/>
+          </a:solidFill>
+          <a:ln>
+            <a:noFill/>
+          </a:ln>
+        </p:spPr>
+        <p:style>
+          <a:lnRef idx="2">
+            <a:schemeClr val="accent1">
+              <a:shade val="50000"/>
+            </a:schemeClr>
+          </a:lnRef>
+          <a:fillRef idx="1">
+            <a:schemeClr val="accent1"/>
+          </a:fillRef>
+          <a:effectRef idx="0">
+            <a:schemeClr val="accent1"/>
+          </a:effectRef>
+          <a:fontRef idx="minor">
+            <a:schemeClr val="lt1"/>
+          </a:fontRef>
+        </p:style>
+        <p:txBody>
+          <a:bodyPr rtlCol="0" anchor="ctr"/>
+          <a:lstStyle/>
+          <a:p>
+            <a:pPr algn="ctr"/>
+            <a:endParaRPr lang="en-US"/>
+          </a:p>
+        </p:txBody>
+      </p:sp>
+      <p:sp>
+        <p:nvSpPr>
+          <p:cNvPr id="11" name="Rectangle 10">
+            <a:extLst>
+              <a:ext uri="{FF2B5EF4-FFF2-40B4-BE49-F238E27FC236}">
+                <a16:creationId xmlns:a16="http://schemas.microsoft.com/office/drawing/2014/main" id="{CB44330D-EA18-4254-AA95-EB49948539B8}"/>
+              </a:ext>
+              <a:ext uri="{C183D7F6-B498-43B3-948B-1728B52AA6E4}">
+                <adec:decorative xmlns:adec="http://schemas.microsoft.com/office/drawing/2017/decorative" val="1"/>
+              </a:ext>
+            </a:extLst>
+          </p:cNvPr>
+          <p:cNvSpPr>
+            <a:spLocks noGrp="1" noRot="1" noChangeAspect="1" noMove="1" noResize="1" noEditPoints="1" noAdjustHandles="1" noChangeArrowheads="1" noChangeShapeType="1" noTextEdit="1"/>
+          </p:cNvSpPr>
+          <p:nvPr>
+            <p:extLst>
+              <p:ext uri="{386F3935-93C4-4BCD-93E2-E3B085C9AB24}">
+                <p16:designElem xmlns:p16="http://schemas.microsoft.com/office/powerpoint/2015/main" val="1"/>
+              </p:ext>
+            </p:extLst>
+          </p:nvPr>
+        </p:nvSpPr>
+        <p:spPr>
+          <a:xfrm>
+            <a:off x="477012" y="480060"/>
+            <a:ext cx="11237976" cy="5897880"/>
+          </a:xfrm>
+          <a:prstGeom prst="rect">
+            <a:avLst/>
+          </a:prstGeom>
+          <a:solidFill>
+            <a:srgbClr val="FFFFFF"/>
+          </a:solidFill>
+          <a:ln>
+            <a:noFill/>
+          </a:ln>
+        </p:spPr>
+        <p:style>
+          <a:lnRef idx="2">
+            <a:schemeClr val="accent1">
+              <a:shade val="50000"/>
+            </a:schemeClr>
+          </a:lnRef>
+          <a:fillRef idx="1">
+            <a:schemeClr val="accent1"/>
+          </a:fillRef>
+          <a:effectRef idx="0">
+            <a:schemeClr val="accent1"/>
+          </a:effectRef>
+          <a:fontRef idx="minor">
+            <a:schemeClr val="lt1"/>
+          </a:fontRef>
+        </p:style>
+        <p:txBody>
+          <a:bodyPr rtlCol="0" anchor="ctr"/>
+          <a:lstStyle/>
+          <a:p>
+            <a:pPr algn="ctr"/>
+            <a:endParaRPr lang="en-US"/>
+          </a:p>
+        </p:txBody>
+      </p:sp>
+      <p:pic>
+        <p:nvPicPr>
+          <p:cNvPr id="4" name="Picture 4" descr="A close up of a sign&#10;&#10;Description generated with high confidence">
+            <a:extLst>
+              <a:ext uri="{FF2B5EF4-FFF2-40B4-BE49-F238E27FC236}">
+                <a16:creationId xmlns:a16="http://schemas.microsoft.com/office/drawing/2014/main" id="{6C5633B8-B410-4D3D-8194-2934AAE6662A}"/>
+              </a:ext>
+            </a:extLst>
+          </p:cNvPr>
+          <p:cNvPicPr>
+            <a:picLocks noChangeAspect="1"/>
+          </p:cNvPicPr>
+          <p:nvPr/>
+        </p:nvPicPr>
+        <p:blipFill>
+          <a:blip r:embed="rId2"/>
+          <a:stretch>
+            <a:fillRect/>
+          </a:stretch>
+        </p:blipFill>
+        <p:spPr>
+          <a:xfrm>
+            <a:off x="2088039" y="643467"/>
+            <a:ext cx="8015921" cy="5571066"/>
+          </a:xfrm>
+          <a:prstGeom prst="rect">
+            <a:avLst/>
+          </a:prstGeom>
+        </p:spPr>
+      </p:pic>
+    </p:spTree>
+    <p:extLst>
+      <p:ext uri="{BB962C8B-B14F-4D97-AF65-F5344CB8AC3E}">
+        <p14:creationId xmlns:p14="http://schemas.microsoft.com/office/powerpoint/2010/main" val="1266986637"/>
+      </p:ext>
+    </p:extLst>
+  </p:cSld>
+  <p:clrMapOvr>
+    <a:masterClrMapping/>
+  </p:clrMapOvr>
+</p:sld>
+</file>
+
+<file path=ppt/slides/slide4.xml><?xml version="1.0" encoding="utf-8"?>
 <p:sld xmlns:a="http://schemas.openxmlformats.org/drawingml/2006/main" xmlns:r="http://schemas.openxmlformats.org/officeDocument/2006/relationships" xmlns:p="http://schemas.openxmlformats.org/presentationml/2006/main">
   <p:cSld>
     <p:bg>
@@ -4732,76 +4827,6 @@
 </p:sld>
 </file>
 
-<file path=ppt/slides/slide4.xml><?xml version="1.0" encoding="utf-8"?>
-<p:sld xmlns:a="http://schemas.openxmlformats.org/drawingml/2006/main" xmlns:r="http://schemas.openxmlformats.org/officeDocument/2006/relationships" xmlns:p="http://schemas.openxmlformats.org/presentationml/2006/main">
-  <p:cSld>
-    <p:spTree>
-      <p:nvGrpSpPr>
-        <p:cNvPr id="1" name=""/>
-        <p:cNvGrpSpPr/>
-        <p:nvPr/>
-      </p:nvGrpSpPr>
-      <p:grpSpPr>
-        <a:xfrm>
-          <a:off x="0" y="0"/>
-          <a:ext cx="0" cy="0"/>
-          <a:chOff x="0" y="0"/>
-          <a:chExt cx="0" cy="0"/>
-        </a:xfrm>
-      </p:grpSpPr>
-      <p:sp>
-        <p:nvSpPr>
-          <p:cNvPr id="2" name="Title 1">
-            <a:extLst>
-              <a:ext uri="{FF2B5EF4-FFF2-40B4-BE49-F238E27FC236}">
-                <a16:creationId xmlns:a16="http://schemas.microsoft.com/office/drawing/2014/main" id="{6322E8C3-184D-4868-8C34-6DAB4147B546}"/>
-              </a:ext>
-            </a:extLst>
-          </p:cNvPr>
-          <p:cNvSpPr>
-            <a:spLocks noGrp="1"/>
-          </p:cNvSpPr>
-          <p:nvPr>
-            <p:ph type="title"/>
-          </p:nvPr>
-        </p:nvSpPr>
-        <p:spPr>
-          <a:xfrm>
-            <a:off x="838199" y="2764013"/>
-            <a:ext cx="10515600" cy="1325563"/>
-          </a:xfrm>
-        </p:spPr>
-        <p:txBody>
-          <a:bodyPr/>
-          <a:lstStyle/>
-          <a:p>
-            <a:pPr algn="ctr"/>
-            <a:r>
-              <a:rPr lang="en-US" b="1" dirty="0">
-                <a:ea typeface="+mj-lt"/>
-                <a:cs typeface="+mj-lt"/>
-              </a:rPr>
-              <a:t>Randomized Rule Base Nav?</a:t>
-            </a:r>
-            <a:endParaRPr lang="en-US" b="1">
-              <a:cs typeface="Calibri Light"/>
-            </a:endParaRPr>
-          </a:p>
-        </p:txBody>
-      </p:sp>
-    </p:spTree>
-    <p:extLst>
-      <p:ext uri="{BB962C8B-B14F-4D97-AF65-F5344CB8AC3E}">
-        <p14:creationId xmlns:p14="http://schemas.microsoft.com/office/powerpoint/2010/main" val="2140135102"/>
-      </p:ext>
-    </p:extLst>
-  </p:cSld>
-  <p:clrMapOvr>
-    <a:masterClrMapping/>
-  </p:clrMapOvr>
-</p:sld>
-</file>
-
 <file path=ppt/slides/slide5.xml><?xml version="1.0" encoding="utf-8"?>
 <p:sld xmlns:a="http://schemas.openxmlformats.org/drawingml/2006/main" xmlns:r="http://schemas.openxmlformats.org/officeDocument/2006/relationships" xmlns:p="http://schemas.openxmlformats.org/presentationml/2006/main">
   <p:cSld>
@@ -4819,40 +4844,63 @@
           <a:chExt cx="0" cy="0"/>
         </a:xfrm>
       </p:grpSpPr>
-      <p:pic>
-        <p:nvPicPr>
-          <p:cNvPr id="4" name="Picture 4" descr="A close up of a logo&#10;&#10;Description generated with high confidence">
+      <p:sp>
+        <p:nvSpPr>
+          <p:cNvPr id="2" name="Title 1">
             <a:extLst>
               <a:ext uri="{FF2B5EF4-FFF2-40B4-BE49-F238E27FC236}">
-                <a16:creationId xmlns:a16="http://schemas.microsoft.com/office/drawing/2014/main" id="{6E802444-3A5C-4F6E-A62C-82DE0A7EC1C4}"/>
+                <a16:creationId xmlns:a16="http://schemas.microsoft.com/office/drawing/2014/main" id="{6322E8C3-184D-4868-8C34-6DAB4147B546}"/>
               </a:ext>
             </a:extLst>
           </p:cNvPr>
-          <p:cNvPicPr>
-            <a:picLocks noChangeAspect="1"/>
-          </p:cNvPicPr>
-          <p:nvPr/>
-        </p:nvPicPr>
-        <p:blipFill>
-          <a:blip r:embed="rId2"/>
-          <a:stretch>
-            <a:fillRect/>
-          </a:stretch>
-        </p:blipFill>
+          <p:cNvSpPr>
+            <a:spLocks noGrp="1"/>
+          </p:cNvSpPr>
+          <p:nvPr>
+            <p:ph type="title"/>
+          </p:nvPr>
+        </p:nvSpPr>
         <p:spPr>
           <a:xfrm>
-            <a:off x="2706511" y="392759"/>
-            <a:ext cx="6778976" cy="6107923"/>
+            <a:off x="448234" y="2441284"/>
+            <a:ext cx="10515600" cy="1325563"/>
           </a:xfrm>
-          <a:prstGeom prst="rect">
-            <a:avLst/>
-          </a:prstGeom>
         </p:spPr>
-      </p:pic>
+        <p:txBody>
+          <a:bodyPr/>
+          <a:lstStyle/>
+          <a:p>
+            <a:pPr algn="ctr"/>
+            <a:r>
+              <a:rPr lang="en-US" b="1" dirty="0">
+                <a:ea typeface="+mj-lt"/>
+                <a:cs typeface="+mj-lt"/>
+              </a:rPr>
+              <a:t>Randomized Rule Base Nav?</a:t>
+            </a:r>
+            <a:br>
+              <a:rPr lang="en-US" b="1" dirty="0">
+                <a:ea typeface="+mj-lt"/>
+                <a:cs typeface="+mj-lt"/>
+              </a:rPr>
+            </a:br>
+            <a:r>
+              <a:rPr lang="en-US" b="1" dirty="0">
+                <a:ea typeface="+mj-lt"/>
+                <a:cs typeface="+mj-lt"/>
+              </a:rPr>
+              <a:t>Another Idea ?</a:t>
+            </a:r>
+            <a:endParaRPr lang="en-US" b="1" dirty="0">
+              <a:cs typeface="Calibri Light"/>
+            </a:endParaRPr>
+          </a:p>
+        </p:txBody>
+      </p:sp>
     </p:spTree>
     <p:extLst>
       <p:ext uri="{BB962C8B-B14F-4D97-AF65-F5344CB8AC3E}">
-        <p14:creationId xmlns:p14="http://schemas.microsoft.com/office/powerpoint/2010/main" val="2286857418"/>
+        <p14:creationId xmlns:p14="http://schemas.microsoft.com/office/powerpoint/2010/main" val="2140135102"/>
       </p:ext>
     </p:extLst>
   </p:cSld>
@@ -4863,200 +4911,6 @@
 </file>
 
 <file path=ppt/slides/slide6.xml><?xml version="1.0" encoding="utf-8"?>
-<p:sld xmlns:a="http://schemas.openxmlformats.org/drawingml/2006/main" xmlns:r="http://schemas.openxmlformats.org/officeDocument/2006/relationships" xmlns:p="http://schemas.openxmlformats.org/presentationml/2006/main">
-  <p:cSld>
-    <p:bg>
-      <p:bgPr>
-        <a:solidFill>
-          <a:schemeClr val="bg1"/>
-        </a:solidFill>
-        <a:effectLst/>
-      </p:bgPr>
-    </p:bg>
-    <p:spTree>
-      <p:nvGrpSpPr>
-        <p:cNvPr id="1" name=""/>
-        <p:cNvGrpSpPr/>
-        <p:nvPr/>
-      </p:nvGrpSpPr>
-      <p:grpSpPr>
-        <a:xfrm>
-          <a:off x="0" y="0"/>
-          <a:ext cx="0" cy="0"/>
-          <a:chOff x="0" y="0"/>
-          <a:chExt cx="0" cy="0"/>
-        </a:xfrm>
-      </p:grpSpPr>
-      <p:sp>
-        <p:nvSpPr>
-          <p:cNvPr id="9" name="Rectangle 8">
-            <a:extLst>
-              <a:ext uri="{FF2B5EF4-FFF2-40B4-BE49-F238E27FC236}">
-                <a16:creationId xmlns:a16="http://schemas.microsoft.com/office/drawing/2014/main" id="{32BC26D8-82FB-445E-AA49-62A77D7C1EE0}"/>
-              </a:ext>
-              <a:ext uri="{C183D7F6-B498-43B3-948B-1728B52AA6E4}">
-                <adec:decorative xmlns:adec="http://schemas.microsoft.com/office/drawing/2017/decorative" val="1"/>
-              </a:ext>
-            </a:extLst>
-          </p:cNvPr>
-          <p:cNvSpPr>
-            <a:spLocks noGrp="1" noRot="1" noChangeAspect="1" noMove="1" noResize="1" noEditPoints="1" noAdjustHandles="1" noChangeArrowheads="1" noChangeShapeType="1" noTextEdit="1"/>
-          </p:cNvSpPr>
-          <p:nvPr>
-            <p:extLst>
-              <p:ext uri="{386F3935-93C4-4BCD-93E2-E3B085C9AB24}">
-                <p16:designElem xmlns:p16="http://schemas.microsoft.com/office/powerpoint/2015/main" val="1"/>
-              </p:ext>
-            </p:extLst>
-          </p:nvPr>
-        </p:nvSpPr>
-        <p:spPr>
-          <a:xfrm>
-            <a:off x="0" y="0"/>
-            <a:ext cx="12192000" cy="6858000"/>
-          </a:xfrm>
-          <a:prstGeom prst="rect">
-            <a:avLst/>
-          </a:prstGeom>
-          <a:solidFill>
-            <a:srgbClr val="416079"/>
-          </a:solidFill>
-          <a:ln>
-            <a:noFill/>
-          </a:ln>
-        </p:spPr>
-        <p:style>
-          <a:lnRef idx="2">
-            <a:schemeClr val="accent1">
-              <a:shade val="50000"/>
-            </a:schemeClr>
-          </a:lnRef>
-          <a:fillRef idx="1">
-            <a:schemeClr val="accent1"/>
-          </a:fillRef>
-          <a:effectRef idx="0">
-            <a:schemeClr val="accent1"/>
-          </a:effectRef>
-          <a:fontRef idx="minor">
-            <a:schemeClr val="lt1"/>
-          </a:fontRef>
-        </p:style>
-        <p:txBody>
-          <a:bodyPr rtlCol="0" anchor="ctr"/>
-          <a:lstStyle/>
-          <a:p>
-            <a:pPr algn="ctr"/>
-            <a:endParaRPr lang="en-US"/>
-          </a:p>
-        </p:txBody>
-      </p:sp>
-      <p:sp>
-        <p:nvSpPr>
-          <p:cNvPr id="11" name="Rectangle 10">
-            <a:extLst>
-              <a:ext uri="{FF2B5EF4-FFF2-40B4-BE49-F238E27FC236}">
-                <a16:creationId xmlns:a16="http://schemas.microsoft.com/office/drawing/2014/main" id="{CB44330D-EA18-4254-AA95-EB49948539B8}"/>
-              </a:ext>
-              <a:ext uri="{C183D7F6-B498-43B3-948B-1728B52AA6E4}">
-                <adec:decorative xmlns:adec="http://schemas.microsoft.com/office/drawing/2017/decorative" val="1"/>
-              </a:ext>
-            </a:extLst>
-          </p:cNvPr>
-          <p:cNvSpPr>
-            <a:spLocks noGrp="1" noRot="1" noChangeAspect="1" noMove="1" noResize="1" noEditPoints="1" noAdjustHandles="1" noChangeArrowheads="1" noChangeShapeType="1" noTextEdit="1"/>
-          </p:cNvSpPr>
-          <p:nvPr>
-            <p:extLst>
-              <p:ext uri="{386F3935-93C4-4BCD-93E2-E3B085C9AB24}">
-                <p16:designElem xmlns:p16="http://schemas.microsoft.com/office/powerpoint/2015/main" val="1"/>
-              </p:ext>
-            </p:extLst>
-          </p:nvPr>
-        </p:nvSpPr>
-        <p:spPr>
-          <a:xfrm>
-            <a:off x="477012" y="480060"/>
-            <a:ext cx="11237976" cy="5897880"/>
-          </a:xfrm>
-          <a:prstGeom prst="rect">
-            <a:avLst/>
-          </a:prstGeom>
-          <a:solidFill>
-            <a:srgbClr val="FFFFFF"/>
-          </a:solidFill>
-          <a:ln>
-            <a:noFill/>
-          </a:ln>
-        </p:spPr>
-        <p:style>
-          <a:lnRef idx="2">
-            <a:schemeClr val="accent1">
-              <a:shade val="50000"/>
-            </a:schemeClr>
-          </a:lnRef>
-          <a:fillRef idx="1">
-            <a:schemeClr val="accent1"/>
-          </a:fillRef>
-          <a:effectRef idx="0">
-            <a:schemeClr val="accent1"/>
-          </a:effectRef>
-          <a:fontRef idx="minor">
-            <a:schemeClr val="lt1"/>
-          </a:fontRef>
-        </p:style>
-        <p:txBody>
-          <a:bodyPr rtlCol="0" anchor="ctr"/>
-          <a:lstStyle/>
-          <a:p>
-            <a:pPr algn="ctr"/>
-            <a:endParaRPr lang="en-US"/>
-          </a:p>
-        </p:txBody>
-      </p:sp>
-      <p:pic>
-        <p:nvPicPr>
-          <p:cNvPr id="4" name="Picture 4" descr="A close up of a sign&#10;&#10;Description generated with high confidence">
-            <a:extLst>
-              <a:ext uri="{FF2B5EF4-FFF2-40B4-BE49-F238E27FC236}">
-                <a16:creationId xmlns:a16="http://schemas.microsoft.com/office/drawing/2014/main" id="{6C5633B8-B410-4D3D-8194-2934AAE6662A}"/>
-              </a:ext>
-            </a:extLst>
-          </p:cNvPr>
-          <p:cNvPicPr>
-            <a:picLocks noChangeAspect="1"/>
-          </p:cNvPicPr>
-          <p:nvPr/>
-        </p:nvPicPr>
-        <p:blipFill>
-          <a:blip r:embed="rId2"/>
-          <a:stretch>
-            <a:fillRect/>
-          </a:stretch>
-        </p:blipFill>
-        <p:spPr>
-          <a:xfrm>
-            <a:off x="2088039" y="643467"/>
-            <a:ext cx="8015921" cy="5571066"/>
-          </a:xfrm>
-          <a:prstGeom prst="rect">
-            <a:avLst/>
-          </a:prstGeom>
-        </p:spPr>
-      </p:pic>
-    </p:spTree>
-    <p:extLst>
-      <p:ext uri="{BB962C8B-B14F-4D97-AF65-F5344CB8AC3E}">
-        <p14:creationId xmlns:p14="http://schemas.microsoft.com/office/powerpoint/2010/main" val="1266986637"/>
-      </p:ext>
-    </p:extLst>
-  </p:cSld>
-  <p:clrMapOvr>
-    <a:masterClrMapping/>
-  </p:clrMapOvr>
-</p:sld>
-</file>
-
-<file path=ppt/slides/slide7.xml><?xml version="1.0" encoding="utf-8"?>
 <p:sld xmlns:a="http://schemas.openxmlformats.org/drawingml/2006/main" xmlns:r="http://schemas.openxmlformats.org/officeDocument/2006/relationships" xmlns:p="http://schemas.openxmlformats.org/presentationml/2006/main">
   <p:cSld>
     <p:spTree>
@@ -5120,7 +4974,7 @@
                 <a:ea typeface="+mj-lt"/>
                 <a:cs typeface="+mj-lt"/>
               </a:rPr>
-              <a:t>20 meters change in LAT is about 0.00018 degree change</a:t>
+              <a:t>20 meters change in LAT is about 0.00018 degree change.</a:t>
             </a:r>
             <a:endParaRPr lang="en-US" b="1" dirty="0">
               <a:cs typeface="Calibri Light"/>
@@ -5171,7 +5025,7 @@
 </p:sld>
 </file>
 
-<file path=ppt/slides/slide8.xml><?xml version="1.0" encoding="utf-8"?>
+<file path=ppt/slides/slide7.xml><?xml version="1.0" encoding="utf-8"?>
 <p:sld xmlns:a="http://schemas.openxmlformats.org/drawingml/2006/main" xmlns:r="http://schemas.openxmlformats.org/officeDocument/2006/relationships" xmlns:p="http://schemas.openxmlformats.org/presentationml/2006/main">
   <p:cSld>
     <p:spTree>
@@ -5206,8 +5060,8 @@
         </p:nvSpPr>
         <p:spPr>
           <a:xfrm>
-            <a:off x="3048264" y="-5042"/>
-            <a:ext cx="6087374" cy="1139670"/>
+            <a:off x="3063793" y="131534"/>
+            <a:ext cx="6087374" cy="741022"/>
           </a:xfrm>
         </p:spPr>
         <p:txBody>
@@ -5219,20 +5073,357 @@
                 <a:ea typeface="+mj-lt"/>
                 <a:cs typeface="+mj-lt"/>
               </a:rPr>
-              <a:t>Challenge (Triangulation)</a:t>
-            </a:r>
-            <a:endParaRPr lang="en-US" b="1">
+              <a:t>Challenge (Coordinates)</a:t>
+            </a:r>
+            <a:endParaRPr lang="en-US" b="1" dirty="0">
               <a:cs typeface="Calibri Light"/>
             </a:endParaRPr>
           </a:p>
         </p:txBody>
       </p:sp>
+      <p:sp>
+        <p:nvSpPr>
+          <p:cNvPr id="3" name="Rectangle 2">
+            <a:extLst>
+              <a:ext uri="{FF2B5EF4-FFF2-40B4-BE49-F238E27FC236}">
+                <a16:creationId xmlns:a16="http://schemas.microsoft.com/office/drawing/2014/main" id="{6A8049CD-902A-644B-B0DB-B8A87F0622B6}"/>
+              </a:ext>
+            </a:extLst>
+          </p:cNvPr>
+          <p:cNvSpPr/>
+          <p:nvPr/>
+        </p:nvSpPr>
+        <p:spPr>
+          <a:xfrm>
+            <a:off x="631561" y="843355"/>
+            <a:ext cx="4506362" cy="369332"/>
+          </a:xfrm>
+          <a:prstGeom prst="rect">
+            <a:avLst/>
+          </a:prstGeom>
+        </p:spPr>
+        <p:txBody>
+          <a:bodyPr wrap="none">
+            <a:spAutoFit/>
+          </a:bodyPr>
+          <a:lstStyle/>
+          <a:p>
+            <a:r>
+              <a:rPr lang="en-US" dirty="0">
+                <a:solidFill>
+                  <a:srgbClr val="222222"/>
+                </a:solidFill>
+                <a:latin typeface="Roboto"/>
+              </a:rPr>
+              <a:t>Sunflowers are in average 6 to 10 feet tall.</a:t>
+            </a:r>
+            <a:endParaRPr lang="en-US" dirty="0"/>
+          </a:p>
+        </p:txBody>
+      </p:sp>
+      <p:sp>
+        <p:nvSpPr>
+          <p:cNvPr id="4" name="Rectangle 3">
+            <a:extLst>
+              <a:ext uri="{FF2B5EF4-FFF2-40B4-BE49-F238E27FC236}">
+                <a16:creationId xmlns:a16="http://schemas.microsoft.com/office/drawing/2014/main" id="{0278DACD-9638-1548-AB8B-2D30592CC845}"/>
+              </a:ext>
+            </a:extLst>
+          </p:cNvPr>
+          <p:cNvSpPr/>
+          <p:nvPr/>
+        </p:nvSpPr>
+        <p:spPr>
+          <a:xfrm>
+            <a:off x="631561" y="1134628"/>
+            <a:ext cx="8825365" cy="369332"/>
+          </a:xfrm>
+          <a:prstGeom prst="rect">
+            <a:avLst/>
+          </a:prstGeom>
+        </p:spPr>
+        <p:txBody>
+          <a:bodyPr wrap="none">
+            <a:spAutoFit/>
+          </a:bodyPr>
+          <a:lstStyle/>
+          <a:p>
+            <a:r>
+              <a:rPr lang="en-US" dirty="0">
+                <a:latin typeface="open_sansregular"/>
+              </a:rPr>
+              <a:t>The black center averages 1 to 2 inches in diameter = radius of full flower 2(di/2) = diameter. </a:t>
+            </a:r>
+            <a:endParaRPr lang="en-US" dirty="0"/>
+          </a:p>
+        </p:txBody>
+      </p:sp>
+      <p:grpSp>
+        <p:nvGrpSpPr>
+          <p:cNvPr id="17" name="Group 16">
+            <a:extLst>
+              <a:ext uri="{FF2B5EF4-FFF2-40B4-BE49-F238E27FC236}">
+                <a16:creationId xmlns:a16="http://schemas.microsoft.com/office/drawing/2014/main" id="{B4CB8BD4-6714-BA4E-B820-515B33B9E585}"/>
+              </a:ext>
+            </a:extLst>
+          </p:cNvPr>
+          <p:cNvGrpSpPr/>
+          <p:nvPr/>
+        </p:nvGrpSpPr>
+        <p:grpSpPr>
+          <a:xfrm>
+            <a:off x="1429894" y="2062233"/>
+            <a:ext cx="2030139" cy="1188720"/>
+            <a:chOff x="2085278" y="2296050"/>
+            <a:chExt cx="1170875" cy="558663"/>
+          </a:xfrm>
+        </p:grpSpPr>
+        <p:sp>
+          <p:nvSpPr>
+            <p:cNvPr id="5" name="Oval 4">
+              <a:extLst>
+                <a:ext uri="{FF2B5EF4-FFF2-40B4-BE49-F238E27FC236}">
+                  <a16:creationId xmlns:a16="http://schemas.microsoft.com/office/drawing/2014/main" id="{BCF41E94-28F8-B34C-99B1-8E3A5826A5B1}"/>
+                </a:ext>
+              </a:extLst>
+            </p:cNvPr>
+            <p:cNvSpPr/>
+            <p:nvPr/>
+          </p:nvSpPr>
+          <p:spPr>
+            <a:xfrm>
+              <a:off x="2085278" y="2352357"/>
+              <a:ext cx="1115122" cy="446049"/>
+            </a:xfrm>
+            <a:prstGeom prst="ellipse">
+              <a:avLst/>
+            </a:prstGeom>
+            <a:solidFill>
+              <a:schemeClr val="bg2">
+                <a:lumMod val="50000"/>
+              </a:schemeClr>
+            </a:solidFill>
+          </p:spPr>
+          <p:style>
+            <a:lnRef idx="2">
+              <a:schemeClr val="accent1">
+                <a:shade val="50000"/>
+              </a:schemeClr>
+            </a:lnRef>
+            <a:fillRef idx="1">
+              <a:schemeClr val="accent1"/>
+            </a:fillRef>
+            <a:effectRef idx="0">
+              <a:schemeClr val="accent1"/>
+            </a:effectRef>
+            <a:fontRef idx="minor">
+              <a:schemeClr val="lt1"/>
+            </a:fontRef>
+          </p:style>
+          <p:txBody>
+            <a:bodyPr rtlCol="0" anchor="ctr"/>
+            <a:lstStyle/>
+            <a:p>
+              <a:pPr algn="ctr"/>
+              <a:endParaRPr lang="en-US">
+                <a:solidFill>
+                  <a:schemeClr val="bg2"/>
+                </a:solidFill>
+              </a:endParaRPr>
+            </a:p>
+          </p:txBody>
+        </p:sp>
+        <p:sp>
+          <p:nvSpPr>
+            <p:cNvPr id="9" name="Oval 8">
+              <a:extLst>
+                <a:ext uri="{FF2B5EF4-FFF2-40B4-BE49-F238E27FC236}">
+                  <a16:creationId xmlns:a16="http://schemas.microsoft.com/office/drawing/2014/main" id="{82DEF24F-BE35-5844-9B57-D6C27F8BC4CA}"/>
+                </a:ext>
+              </a:extLst>
+            </p:cNvPr>
+            <p:cNvSpPr/>
+            <p:nvPr/>
+          </p:nvSpPr>
+          <p:spPr>
+            <a:xfrm>
+              <a:off x="2988524" y="2296050"/>
+              <a:ext cx="267629" cy="223024"/>
+            </a:xfrm>
+            <a:prstGeom prst="ellipse">
+              <a:avLst/>
+            </a:prstGeom>
+          </p:spPr>
+          <p:style>
+            <a:lnRef idx="2">
+              <a:schemeClr val="accent1">
+                <a:shade val="50000"/>
+              </a:schemeClr>
+            </a:lnRef>
+            <a:fillRef idx="1">
+              <a:schemeClr val="accent1"/>
+            </a:fillRef>
+            <a:effectRef idx="0">
+              <a:schemeClr val="accent1"/>
+            </a:effectRef>
+            <a:fontRef idx="minor">
+              <a:schemeClr val="lt1"/>
+            </a:fontRef>
+          </p:style>
+          <p:txBody>
+            <a:bodyPr rtlCol="0" anchor="ctr"/>
+            <a:lstStyle/>
+            <a:p>
+              <a:pPr algn="ctr"/>
+              <a:endParaRPr lang="en-US" dirty="0"/>
+            </a:p>
+          </p:txBody>
+        </p:sp>
+        <p:sp>
+          <p:nvSpPr>
+            <p:cNvPr id="12" name="Oval 11">
+              <a:extLst>
+                <a:ext uri="{FF2B5EF4-FFF2-40B4-BE49-F238E27FC236}">
+                  <a16:creationId xmlns:a16="http://schemas.microsoft.com/office/drawing/2014/main" id="{7E181F5F-8A40-C542-86EE-FFBD73756C4F}"/>
+                </a:ext>
+              </a:extLst>
+            </p:cNvPr>
+            <p:cNvSpPr/>
+            <p:nvPr/>
+          </p:nvSpPr>
+          <p:spPr>
+            <a:xfrm>
+              <a:off x="2085278" y="2296050"/>
+              <a:ext cx="267629" cy="223024"/>
+            </a:xfrm>
+            <a:prstGeom prst="ellipse">
+              <a:avLst/>
+            </a:prstGeom>
+          </p:spPr>
+          <p:style>
+            <a:lnRef idx="2">
+              <a:schemeClr val="accent1">
+                <a:shade val="50000"/>
+              </a:schemeClr>
+            </a:lnRef>
+            <a:fillRef idx="1">
+              <a:schemeClr val="accent1"/>
+            </a:fillRef>
+            <a:effectRef idx="0">
+              <a:schemeClr val="accent1"/>
+            </a:effectRef>
+            <a:fontRef idx="minor">
+              <a:schemeClr val="lt1"/>
+            </a:fontRef>
+          </p:style>
+          <p:txBody>
+            <a:bodyPr rtlCol="0" anchor="ctr"/>
+            <a:lstStyle/>
+            <a:p>
+              <a:pPr algn="ctr"/>
+              <a:endParaRPr lang="en-US" dirty="0"/>
+            </a:p>
+          </p:txBody>
+        </p:sp>
+        <p:sp>
+          <p:nvSpPr>
+            <p:cNvPr id="13" name="Oval 12">
+              <a:extLst>
+                <a:ext uri="{FF2B5EF4-FFF2-40B4-BE49-F238E27FC236}">
+                  <a16:creationId xmlns:a16="http://schemas.microsoft.com/office/drawing/2014/main" id="{944768D2-D666-0349-936C-5F7F9A7988C6}"/>
+                </a:ext>
+              </a:extLst>
+            </p:cNvPr>
+            <p:cNvSpPr/>
+            <p:nvPr/>
+          </p:nvSpPr>
+          <p:spPr>
+            <a:xfrm>
+              <a:off x="2085278" y="2631689"/>
+              <a:ext cx="267629" cy="223024"/>
+            </a:xfrm>
+            <a:prstGeom prst="ellipse">
+              <a:avLst/>
+            </a:prstGeom>
+          </p:spPr>
+          <p:style>
+            <a:lnRef idx="2">
+              <a:schemeClr val="accent1">
+                <a:shade val="50000"/>
+              </a:schemeClr>
+            </a:lnRef>
+            <a:fillRef idx="1">
+              <a:schemeClr val="accent1"/>
+            </a:fillRef>
+            <a:effectRef idx="0">
+              <a:schemeClr val="accent1"/>
+            </a:effectRef>
+            <a:fontRef idx="minor">
+              <a:schemeClr val="lt1"/>
+            </a:fontRef>
+          </p:style>
+          <p:txBody>
+            <a:bodyPr rtlCol="0" anchor="ctr"/>
+            <a:lstStyle/>
+            <a:p>
+              <a:pPr algn="ctr"/>
+              <a:endParaRPr lang="en-US" dirty="0"/>
+            </a:p>
+          </p:txBody>
+        </p:sp>
+        <p:sp>
+          <p:nvSpPr>
+            <p:cNvPr id="14" name="Oval 13">
+              <a:extLst>
+                <a:ext uri="{FF2B5EF4-FFF2-40B4-BE49-F238E27FC236}">
+                  <a16:creationId xmlns:a16="http://schemas.microsoft.com/office/drawing/2014/main" id="{1DA7D96D-9A4F-9E44-BCB6-D9B087596750}"/>
+                </a:ext>
+              </a:extLst>
+            </p:cNvPr>
+            <p:cNvSpPr/>
+            <p:nvPr/>
+          </p:nvSpPr>
+          <p:spPr>
+            <a:xfrm>
+              <a:off x="2988524" y="2619436"/>
+              <a:ext cx="267629" cy="223024"/>
+            </a:xfrm>
+            <a:prstGeom prst="ellipse">
+              <a:avLst/>
+            </a:prstGeom>
+          </p:spPr>
+          <p:style>
+            <a:lnRef idx="2">
+              <a:schemeClr val="accent1">
+                <a:shade val="50000"/>
+              </a:schemeClr>
+            </a:lnRef>
+            <a:fillRef idx="1">
+              <a:schemeClr val="accent1"/>
+            </a:fillRef>
+            <a:effectRef idx="0">
+              <a:schemeClr val="accent1"/>
+            </a:effectRef>
+            <a:fontRef idx="minor">
+              <a:schemeClr val="lt1"/>
+            </a:fontRef>
+          </p:style>
+          <p:txBody>
+            <a:bodyPr rtlCol="0" anchor="ctr"/>
+            <a:lstStyle/>
+            <a:p>
+              <a:pPr algn="ctr"/>
+              <a:endParaRPr lang="en-US" dirty="0"/>
+            </a:p>
+          </p:txBody>
+        </p:sp>
+      </p:grpSp>
       <p:pic>
         <p:nvPicPr>
-          <p:cNvPr id="6" name="Picture 6">
+          <p:cNvPr id="16" name="Picture 15">
             <a:extLst>
               <a:ext uri="{FF2B5EF4-FFF2-40B4-BE49-F238E27FC236}">
-                <a16:creationId xmlns:a16="http://schemas.microsoft.com/office/drawing/2014/main" id="{C6ED7C13-D740-498E-B316-36344802BBD0}"/>
+                <a16:creationId xmlns:a16="http://schemas.microsoft.com/office/drawing/2014/main" id="{4F0A316E-9837-A14C-826F-A195667C4A51}"/>
               </a:ext>
             </a:extLst>
           </p:cNvPr>
@@ -5242,57 +5433,145 @@
           <p:nvPr/>
         </p:nvPicPr>
         <p:blipFill>
-          <a:blip r:embed="rId2"/>
+          <a:blip r:embed="rId2">
+            <a:extLst>
+              <a:ext uri="{28A0092B-C50C-407E-A947-70E740481C1C}">
+                <a14:useLocalDpi xmlns:a14="http://schemas.microsoft.com/office/drawing/2010/main" val="0"/>
+              </a:ext>
+            </a:extLst>
+          </a:blip>
           <a:stretch>
             <a:fillRect/>
           </a:stretch>
         </p:blipFill>
         <p:spPr>
           <a:xfrm>
-            <a:off x="131340" y="1140240"/>
-            <a:ext cx="8261673" cy="5025850"/>
+            <a:off x="7124912" y="2896497"/>
+            <a:ext cx="2222500" cy="2609822"/>
           </a:xfrm>
           <a:prstGeom prst="rect">
             <a:avLst/>
           </a:prstGeom>
         </p:spPr>
       </p:pic>
-      <p:pic>
-        <p:nvPicPr>
-          <p:cNvPr id="8" name="Picture 8">
+      <p:cxnSp>
+        <p:nvCxnSpPr>
+          <p:cNvPr id="25" name="Straight Connector 24">
             <a:extLst>
               <a:ext uri="{FF2B5EF4-FFF2-40B4-BE49-F238E27FC236}">
-                <a16:creationId xmlns:a16="http://schemas.microsoft.com/office/drawing/2014/main" id="{610981C1-B23F-4AB6-9A41-6095F341FF62}"/>
+                <a16:creationId xmlns:a16="http://schemas.microsoft.com/office/drawing/2014/main" id="{BC64593A-06C0-3441-9F62-C6E0C1FA0C3F}"/>
               </a:ext>
             </a:extLst>
           </p:cNvPr>
-          <p:cNvPicPr>
-            <a:picLocks noChangeAspect="1"/>
-          </p:cNvPicPr>
+          <p:cNvCxnSpPr>
+            <a:cxnSpLocks/>
+          </p:cNvCxnSpPr>
           <p:nvPr/>
-        </p:nvPicPr>
-        <p:blipFill>
-          <a:blip r:embed="rId3"/>
-          <a:stretch>
-            <a:fillRect/>
-          </a:stretch>
-        </p:blipFill>
+        </p:nvCxnSpPr>
         <p:spPr>
           <a:xfrm>
-            <a:off x="9577508" y="2128838"/>
-            <a:ext cx="2133600" cy="2600325"/>
+            <a:off x="3460033" y="2656593"/>
+            <a:ext cx="4830527" cy="1496267"/>
           </a:xfrm>
-          <a:prstGeom prst="rect">
+          <a:prstGeom prst="line">
             <a:avLst/>
           </a:prstGeom>
         </p:spPr>
-      </p:pic>
-      <p:sp>
-        <p:nvSpPr>
-          <p:cNvPr id="10" name="TextBox 9">
+        <p:style>
+          <a:lnRef idx="2">
+            <a:schemeClr val="accent6"/>
+          </a:lnRef>
+          <a:fillRef idx="0">
+            <a:schemeClr val="accent6"/>
+          </a:fillRef>
+          <a:effectRef idx="1">
+            <a:schemeClr val="accent6"/>
+          </a:effectRef>
+          <a:fontRef idx="minor">
+            <a:schemeClr val="tx1"/>
+          </a:fontRef>
+        </p:style>
+      </p:cxnSp>
+      <p:cxnSp>
+        <p:nvCxnSpPr>
+          <p:cNvPr id="26" name="Straight Connector 25">
             <a:extLst>
               <a:ext uri="{FF2B5EF4-FFF2-40B4-BE49-F238E27FC236}">
-                <a16:creationId xmlns:a16="http://schemas.microsoft.com/office/drawing/2014/main" id="{CDD348AB-ABDE-410A-BD1B-ED61570C1943}"/>
+                <a16:creationId xmlns:a16="http://schemas.microsoft.com/office/drawing/2014/main" id="{A2A53438-098D-6446-854D-1FC27B271F64}"/>
+              </a:ext>
+            </a:extLst>
+          </p:cNvPr>
+          <p:cNvCxnSpPr>
+            <a:cxnSpLocks/>
+          </p:cNvCxnSpPr>
+          <p:nvPr/>
+        </p:nvCxnSpPr>
+        <p:spPr>
+          <a:xfrm>
+            <a:off x="3460033" y="2641353"/>
+            <a:ext cx="4830527" cy="15240"/>
+          </a:xfrm>
+          <a:prstGeom prst="line">
+            <a:avLst/>
+          </a:prstGeom>
+        </p:spPr>
+        <p:style>
+          <a:lnRef idx="3">
+            <a:schemeClr val="dk1"/>
+          </a:lnRef>
+          <a:fillRef idx="0">
+            <a:schemeClr val="dk1"/>
+          </a:fillRef>
+          <a:effectRef idx="2">
+            <a:schemeClr val="dk1"/>
+          </a:effectRef>
+          <a:fontRef idx="minor">
+            <a:schemeClr val="tx1"/>
+          </a:fontRef>
+        </p:style>
+      </p:cxnSp>
+      <p:cxnSp>
+        <p:nvCxnSpPr>
+          <p:cNvPr id="30" name="Straight Connector 29">
+            <a:extLst>
+              <a:ext uri="{FF2B5EF4-FFF2-40B4-BE49-F238E27FC236}">
+                <a16:creationId xmlns:a16="http://schemas.microsoft.com/office/drawing/2014/main" id="{560B1490-D1C6-194D-AE99-7B60E0D80D65}"/>
+              </a:ext>
+            </a:extLst>
+          </p:cNvPr>
+          <p:cNvCxnSpPr/>
+          <p:nvPr/>
+        </p:nvCxnSpPr>
+        <p:spPr>
+          <a:xfrm>
+            <a:off x="3460033" y="2641352"/>
+            <a:ext cx="0" cy="3010147"/>
+          </a:xfrm>
+          <a:prstGeom prst="line">
+            <a:avLst/>
+          </a:prstGeom>
+        </p:spPr>
+        <p:style>
+          <a:lnRef idx="2">
+            <a:schemeClr val="dk1"/>
+          </a:lnRef>
+          <a:fillRef idx="0">
+            <a:schemeClr val="dk1"/>
+          </a:fillRef>
+          <a:effectRef idx="1">
+            <a:schemeClr val="dk1"/>
+          </a:effectRef>
+          <a:fontRef idx="minor">
+            <a:schemeClr val="tx1"/>
+          </a:fontRef>
+        </p:style>
+      </p:cxnSp>
+      <p:sp>
+        <p:nvSpPr>
+          <p:cNvPr id="31" name="TextBox 30">
+            <a:extLst>
+              <a:ext uri="{FF2B5EF4-FFF2-40B4-BE49-F238E27FC236}">
+                <a16:creationId xmlns:a16="http://schemas.microsoft.com/office/drawing/2014/main" id="{C5ED26A8-1885-C74D-B649-49F68D3C0CB8}"/>
               </a:ext>
             </a:extLst>
           </p:cNvPr>
@@ -5301,8 +5580,8 @@
         </p:nvSpPr>
         <p:spPr>
           <a:xfrm>
-            <a:off x="130935" y="6173273"/>
-            <a:ext cx="11715481" cy="369332"/>
+            <a:off x="2733404" y="4084979"/>
+            <a:ext cx="502702" cy="523220"/>
           </a:xfrm>
           <a:prstGeom prst="rect">
             <a:avLst/>
@@ -5310,21 +5589,427 @@
           <a:noFill/>
         </p:spPr>
         <p:txBody>
-          <a:bodyPr rot="0" spcFirstLastPara="0" vertOverflow="overflow" horzOverflow="overflow" vert="horz" wrap="square" lIns="91440" tIns="45720" rIns="91440" bIns="45720" numCol="1" spcCol="0" rtlCol="0" fromWordArt="0" anchor="t" anchorCtr="0" forceAA="0" compatLnSpc="1">
-            <a:prstTxWarp prst="textNoShape">
-              <a:avLst/>
-            </a:prstTxWarp>
+          <a:bodyPr wrap="square" rtlCol="0">
             <a:spAutoFit/>
           </a:bodyPr>
           <a:lstStyle/>
           <a:p>
             <a:r>
-              <a:rPr lang="en-US" b="1" dirty="0"/>
-              <a:t>Maybe move until flower drone is right on top of flower ??  Once a flower is identified (Video data takes over the nav).</a:t>
-            </a:r>
-            <a:endParaRPr lang="en-US" b="1" dirty="0">
-              <a:cs typeface="Calibri"/>
-            </a:endParaRPr>
+              <a:rPr lang="en-US" sz="2800" b="1" dirty="0"/>
+              <a:t>H</a:t>
+            </a:r>
+          </a:p>
+        </p:txBody>
+      </p:sp>
+      <p:cxnSp>
+        <p:nvCxnSpPr>
+          <p:cNvPr id="32" name="Straight Connector 31">
+            <a:extLst>
+              <a:ext uri="{FF2B5EF4-FFF2-40B4-BE49-F238E27FC236}">
+                <a16:creationId xmlns:a16="http://schemas.microsoft.com/office/drawing/2014/main" id="{55716F7C-040A-8041-8C6F-5E017D67A2AB}"/>
+              </a:ext>
+            </a:extLst>
+          </p:cNvPr>
+          <p:cNvCxnSpPr>
+            <a:cxnSpLocks/>
+          </p:cNvCxnSpPr>
+          <p:nvPr/>
+        </p:nvCxnSpPr>
+        <p:spPr>
+          <a:xfrm flipV="1">
+            <a:off x="3446583" y="4204880"/>
+            <a:ext cx="4971273" cy="22744"/>
+          </a:xfrm>
+          <a:prstGeom prst="line">
+            <a:avLst/>
+          </a:prstGeom>
+        </p:spPr>
+        <p:style>
+          <a:lnRef idx="3">
+            <a:schemeClr val="dk1"/>
+          </a:lnRef>
+          <a:fillRef idx="0">
+            <a:schemeClr val="dk1"/>
+          </a:fillRef>
+          <a:effectRef idx="2">
+            <a:schemeClr val="dk1"/>
+          </a:effectRef>
+          <a:fontRef idx="minor">
+            <a:schemeClr val="tx1"/>
+          </a:fontRef>
+        </p:style>
+      </p:cxnSp>
+      <p:sp>
+        <p:nvSpPr>
+          <p:cNvPr id="35" name="TextBox 34">
+            <a:extLst>
+              <a:ext uri="{FF2B5EF4-FFF2-40B4-BE49-F238E27FC236}">
+                <a16:creationId xmlns:a16="http://schemas.microsoft.com/office/drawing/2014/main" id="{2178376A-441C-DC45-B954-DC54A54852F8}"/>
+              </a:ext>
+            </a:extLst>
+          </p:cNvPr>
+          <p:cNvSpPr txBox="1"/>
+          <p:nvPr/>
+        </p:nvSpPr>
+        <p:spPr>
+          <a:xfrm>
+            <a:off x="4163228" y="2596146"/>
+            <a:ext cx="45719" cy="369332"/>
+          </a:xfrm>
+          <a:prstGeom prst="rect">
+            <a:avLst/>
+          </a:prstGeom>
+          <a:noFill/>
+        </p:spPr>
+        <p:txBody>
+          <a:bodyPr wrap="square" rtlCol="0">
+            <a:spAutoFit/>
+          </a:bodyPr>
+          <a:lstStyle/>
+          <a:p>
+            <a:r>
+              <a:rPr lang="en-US" dirty="0"/>
+              <a:t>𝜃</a:t>
+            </a:r>
+          </a:p>
+        </p:txBody>
+      </p:sp>
+      <p:sp>
+        <p:nvSpPr>
+          <p:cNvPr id="37" name="TextBox 36">
+            <a:extLst>
+              <a:ext uri="{FF2B5EF4-FFF2-40B4-BE49-F238E27FC236}">
+                <a16:creationId xmlns:a16="http://schemas.microsoft.com/office/drawing/2014/main" id="{D747FE62-CF14-1E49-9DED-8C3F9B2327BD}"/>
+              </a:ext>
+            </a:extLst>
+          </p:cNvPr>
+          <p:cNvSpPr txBox="1"/>
+          <p:nvPr/>
+        </p:nvSpPr>
+        <p:spPr>
+          <a:xfrm>
+            <a:off x="7208772" y="3890068"/>
+            <a:ext cx="314510" cy="369332"/>
+          </a:xfrm>
+          <a:prstGeom prst="rect">
+            <a:avLst/>
+          </a:prstGeom>
+          <a:noFill/>
+        </p:spPr>
+        <p:txBody>
+          <a:bodyPr wrap="none" rtlCol="0">
+            <a:spAutoFit/>
+          </a:bodyPr>
+          <a:lstStyle/>
+          <a:p>
+            <a:r>
+              <a:rPr lang="en-US" dirty="0"/>
+              <a:t>𝜃</a:t>
+            </a:r>
+          </a:p>
+        </p:txBody>
+      </p:sp>
+      <p:cxnSp>
+        <p:nvCxnSpPr>
+          <p:cNvPr id="41" name="Straight Connector 40">
+            <a:extLst>
+              <a:ext uri="{FF2B5EF4-FFF2-40B4-BE49-F238E27FC236}">
+                <a16:creationId xmlns:a16="http://schemas.microsoft.com/office/drawing/2014/main" id="{7176BD9F-2230-524E-A785-BC6423C58291}"/>
+              </a:ext>
+            </a:extLst>
+          </p:cNvPr>
+          <p:cNvCxnSpPr>
+            <a:endCxn id="16" idx="2"/>
+          </p:cNvCxnSpPr>
+          <p:nvPr/>
+        </p:nvCxnSpPr>
+        <p:spPr>
+          <a:xfrm flipH="1">
+            <a:off x="8236162" y="4158643"/>
+            <a:ext cx="45718" cy="1347676"/>
+          </a:xfrm>
+          <a:prstGeom prst="line">
+            <a:avLst/>
+          </a:prstGeom>
+        </p:spPr>
+        <p:style>
+          <a:lnRef idx="2">
+            <a:schemeClr val="accent1"/>
+          </a:lnRef>
+          <a:fillRef idx="0">
+            <a:schemeClr val="accent1"/>
+          </a:fillRef>
+          <a:effectRef idx="1">
+            <a:schemeClr val="accent1"/>
+          </a:effectRef>
+          <a:fontRef idx="minor">
+            <a:schemeClr val="tx1"/>
+          </a:fontRef>
+        </p:style>
+      </p:cxnSp>
+      <p:sp>
+        <p:nvSpPr>
+          <p:cNvPr id="43" name="Rectangle 42">
+            <a:extLst>
+              <a:ext uri="{FF2B5EF4-FFF2-40B4-BE49-F238E27FC236}">
+                <a16:creationId xmlns:a16="http://schemas.microsoft.com/office/drawing/2014/main" id="{E112D264-6954-C642-BD8D-328BAACB5AD0}"/>
+              </a:ext>
+            </a:extLst>
+          </p:cNvPr>
+          <p:cNvSpPr/>
+          <p:nvPr/>
+        </p:nvSpPr>
+        <p:spPr>
+          <a:xfrm>
+            <a:off x="3446583" y="2630192"/>
+            <a:ext cx="68297" cy="1573017"/>
+          </a:xfrm>
+          <a:prstGeom prst="rect">
+            <a:avLst/>
+          </a:prstGeom>
+        </p:spPr>
+        <p:style>
+          <a:lnRef idx="2">
+            <a:schemeClr val="accent1">
+              <a:shade val="50000"/>
+            </a:schemeClr>
+          </a:lnRef>
+          <a:fillRef idx="1">
+            <a:schemeClr val="accent1"/>
+          </a:fillRef>
+          <a:effectRef idx="0">
+            <a:schemeClr val="accent1"/>
+          </a:effectRef>
+          <a:fontRef idx="minor">
+            <a:schemeClr val="lt1"/>
+          </a:fontRef>
+        </p:style>
+        <p:txBody>
+          <a:bodyPr rtlCol="0" anchor="ctr"/>
+          <a:lstStyle/>
+          <a:p>
+            <a:pPr algn="ctr"/>
+            <a:endParaRPr lang="en-US"/>
+          </a:p>
+        </p:txBody>
+      </p:sp>
+      <p:sp>
+        <p:nvSpPr>
+          <p:cNvPr id="44" name="TextBox 43">
+            <a:extLst>
+              <a:ext uri="{FF2B5EF4-FFF2-40B4-BE49-F238E27FC236}">
+                <a16:creationId xmlns:a16="http://schemas.microsoft.com/office/drawing/2014/main" id="{A3B942E8-96BB-A045-A9AD-A1EFA6661AC0}"/>
+              </a:ext>
+            </a:extLst>
+          </p:cNvPr>
+          <p:cNvSpPr txBox="1"/>
+          <p:nvPr/>
+        </p:nvSpPr>
+        <p:spPr>
+          <a:xfrm>
+            <a:off x="1081602" y="5970667"/>
+            <a:ext cx="5076005" cy="369332"/>
+          </a:xfrm>
+          <a:prstGeom prst="rect">
+            <a:avLst/>
+          </a:prstGeom>
+          <a:noFill/>
+        </p:spPr>
+        <p:txBody>
+          <a:bodyPr wrap="none" rtlCol="0">
+            <a:spAutoFit/>
+          </a:bodyPr>
+          <a:lstStyle/>
+          <a:p>
+            <a:r>
+              <a:rPr lang="en-US" dirty="0"/>
+              <a:t>If North or South : TASK =  (LAT +- </a:t>
+            </a:r>
+            <a:r>
+              <a:rPr lang="en-US" dirty="0" err="1"/>
+              <a:t>Δx</a:t>
+            </a:r>
+            <a:r>
+              <a:rPr lang="en-US" dirty="0"/>
+              <a:t>, LONG, H - </a:t>
+            </a:r>
+            <a:r>
+              <a:rPr lang="en-US" dirty="0" err="1"/>
+              <a:t>Δy</a:t>
+            </a:r>
+            <a:r>
+              <a:rPr lang="en-US" dirty="0"/>
+              <a:t> )</a:t>
+            </a:r>
+          </a:p>
+        </p:txBody>
+      </p:sp>
+      <p:sp>
+        <p:nvSpPr>
+          <p:cNvPr id="47" name="TextBox 46">
+            <a:extLst>
+              <a:ext uri="{FF2B5EF4-FFF2-40B4-BE49-F238E27FC236}">
+                <a16:creationId xmlns:a16="http://schemas.microsoft.com/office/drawing/2014/main" id="{C5693081-4A77-B945-AE7E-3B75543D0161}"/>
+              </a:ext>
+            </a:extLst>
+          </p:cNvPr>
+          <p:cNvSpPr txBox="1"/>
+          <p:nvPr/>
+        </p:nvSpPr>
+        <p:spPr>
+          <a:xfrm>
+            <a:off x="3508598" y="3315774"/>
+            <a:ext cx="541934" cy="369332"/>
+          </a:xfrm>
+          <a:prstGeom prst="rect">
+            <a:avLst/>
+          </a:prstGeom>
+          <a:noFill/>
+        </p:spPr>
+        <p:txBody>
+          <a:bodyPr wrap="square" rtlCol="0">
+            <a:spAutoFit/>
+          </a:bodyPr>
+          <a:lstStyle/>
+          <a:p>
+            <a:r>
+              <a:rPr lang="en-US" dirty="0" err="1"/>
+              <a:t>Δy</a:t>
+            </a:r>
+            <a:endParaRPr lang="en-US" dirty="0"/>
+          </a:p>
+        </p:txBody>
+      </p:sp>
+      <p:sp>
+        <p:nvSpPr>
+          <p:cNvPr id="49" name="TextBox 48">
+            <a:extLst>
+              <a:ext uri="{FF2B5EF4-FFF2-40B4-BE49-F238E27FC236}">
+                <a16:creationId xmlns:a16="http://schemas.microsoft.com/office/drawing/2014/main" id="{CA3640CB-8BAE-8844-8880-0A8A6AB0D34F}"/>
+              </a:ext>
+            </a:extLst>
+          </p:cNvPr>
+          <p:cNvSpPr txBox="1"/>
+          <p:nvPr/>
+        </p:nvSpPr>
+        <p:spPr>
+          <a:xfrm>
+            <a:off x="1081602" y="5578175"/>
+            <a:ext cx="3949732" cy="369332"/>
+          </a:xfrm>
+          <a:prstGeom prst="rect">
+            <a:avLst/>
+          </a:prstGeom>
+          <a:noFill/>
+        </p:spPr>
+        <p:txBody>
+          <a:bodyPr wrap="square" rtlCol="0">
+            <a:spAutoFit/>
+          </a:bodyPr>
+          <a:lstStyle/>
+          <a:p>
+            <a:r>
+              <a:rPr lang="en-US" dirty="0"/>
+              <a:t>Depends if drone is facing N,S,W,E :</a:t>
+            </a:r>
+          </a:p>
+        </p:txBody>
+      </p:sp>
+      <p:sp>
+        <p:nvSpPr>
+          <p:cNvPr id="50" name="TextBox 49">
+            <a:extLst>
+              <a:ext uri="{FF2B5EF4-FFF2-40B4-BE49-F238E27FC236}">
+                <a16:creationId xmlns:a16="http://schemas.microsoft.com/office/drawing/2014/main" id="{0F9DE285-6FA0-7E4A-9899-D1E5AC782FBA}"/>
+              </a:ext>
+            </a:extLst>
+          </p:cNvPr>
+          <p:cNvSpPr txBox="1"/>
+          <p:nvPr/>
+        </p:nvSpPr>
+        <p:spPr>
+          <a:xfrm>
+            <a:off x="4827682" y="4338909"/>
+            <a:ext cx="2018449" cy="369332"/>
+          </a:xfrm>
+          <a:prstGeom prst="rect">
+            <a:avLst/>
+          </a:prstGeom>
+          <a:noFill/>
+        </p:spPr>
+        <p:txBody>
+          <a:bodyPr wrap="square" rtlCol="0">
+            <a:spAutoFit/>
+          </a:bodyPr>
+          <a:lstStyle/>
+          <a:p>
+            <a:r>
+              <a:rPr lang="en-US" dirty="0" err="1"/>
+              <a:t>Δx</a:t>
+            </a:r>
+            <a:r>
+              <a:rPr lang="en-US" dirty="0"/>
+              <a:t> = </a:t>
+            </a:r>
+            <a:r>
+              <a:rPr lang="en-US" dirty="0" err="1"/>
+              <a:t>Δy</a:t>
+            </a:r>
+            <a:r>
+              <a:rPr lang="en-US" dirty="0"/>
+              <a:t> /tan(𝜃) </a:t>
+            </a:r>
+          </a:p>
+        </p:txBody>
+      </p:sp>
+      <p:sp>
+        <p:nvSpPr>
+          <p:cNvPr id="52" name="TextBox 51">
+            <a:extLst>
+              <a:ext uri="{FF2B5EF4-FFF2-40B4-BE49-F238E27FC236}">
+                <a16:creationId xmlns:a16="http://schemas.microsoft.com/office/drawing/2014/main" id="{DE879EE7-B936-6044-9561-424C2A7FC685}"/>
+              </a:ext>
+            </a:extLst>
+          </p:cNvPr>
+          <p:cNvSpPr txBox="1"/>
+          <p:nvPr/>
+        </p:nvSpPr>
+        <p:spPr>
+          <a:xfrm>
+            <a:off x="1081602" y="6241665"/>
+            <a:ext cx="4760790" cy="369332"/>
+          </a:xfrm>
+          <a:prstGeom prst="rect">
+            <a:avLst/>
+          </a:prstGeom>
+          <a:noFill/>
+        </p:spPr>
+        <p:txBody>
+          <a:bodyPr wrap="none" rtlCol="0">
+            <a:spAutoFit/>
+          </a:bodyPr>
+          <a:lstStyle/>
+          <a:p>
+            <a:r>
+              <a:rPr lang="en-US" dirty="0"/>
+              <a:t>If East or West : TASK =  (LAT, LONG +- </a:t>
+            </a:r>
+            <a:r>
+              <a:rPr lang="en-US" dirty="0" err="1"/>
+              <a:t>Δx</a:t>
+            </a:r>
+            <a:r>
+              <a:rPr lang="en-US" dirty="0"/>
+              <a:t>, H - </a:t>
+            </a:r>
+            <a:r>
+              <a:rPr lang="en-US" dirty="0" err="1"/>
+              <a:t>Δy</a:t>
+            </a:r>
+            <a:r>
+              <a:rPr lang="en-US" dirty="0"/>
+              <a:t> )</a:t>
+            </a:r>
           </a:p>
         </p:txBody>
       </p:sp>
@@ -5341,7 +6026,7 @@
 </p:sld>
 </file>
 
-<file path=ppt/slides/slide9.xml><?xml version="1.0" encoding="utf-8"?>
+<file path=ppt/slides/slide8.xml><?xml version="1.0" encoding="utf-8"?>
 <p:sld xmlns:a="http://schemas.openxmlformats.org/drawingml/2006/main" xmlns:r="http://schemas.openxmlformats.org/officeDocument/2006/relationships" xmlns:p="http://schemas.openxmlformats.org/presentationml/2006/main">
   <p:cSld>
     <p:spTree>
@@ -5475,6 +6160,104 @@
     <p:extLst>
       <p:ext uri="{BB962C8B-B14F-4D97-AF65-F5344CB8AC3E}">
         <p14:creationId xmlns:p14="http://schemas.microsoft.com/office/powerpoint/2010/main" val="3662414240"/>
+      </p:ext>
+    </p:extLst>
+  </p:cSld>
+  <p:clrMapOvr>
+    <a:masterClrMapping/>
+  </p:clrMapOvr>
+</p:sld>
+</file>
+
+<file path=ppt/slides/slide9.xml><?xml version="1.0" encoding="utf-8"?>
+<p:sld xmlns:a="http://schemas.openxmlformats.org/drawingml/2006/main" xmlns:r="http://schemas.openxmlformats.org/officeDocument/2006/relationships" xmlns:p="http://schemas.openxmlformats.org/presentationml/2006/main">
+  <p:cSld>
+    <p:spTree>
+      <p:nvGrpSpPr>
+        <p:cNvPr id="1" name=""/>
+        <p:cNvGrpSpPr/>
+        <p:nvPr/>
+      </p:nvGrpSpPr>
+      <p:grpSpPr>
+        <a:xfrm>
+          <a:off x="0" y="0"/>
+          <a:ext cx="0" cy="0"/>
+          <a:chOff x="0" y="0"/>
+          <a:chExt cx="0" cy="0"/>
+        </a:xfrm>
+      </p:grpSpPr>
+      <p:sp>
+        <p:nvSpPr>
+          <p:cNvPr id="2" name="Title 1">
+            <a:extLst>
+              <a:ext uri="{FF2B5EF4-FFF2-40B4-BE49-F238E27FC236}">
+                <a16:creationId xmlns:a16="http://schemas.microsoft.com/office/drawing/2014/main" id="{DFE1313C-3EA5-47AA-9AAB-B68411BA9A3E}"/>
+              </a:ext>
+            </a:extLst>
+          </p:cNvPr>
+          <p:cNvSpPr>
+            <a:spLocks noGrp="1"/>
+          </p:cNvSpPr>
+          <p:nvPr>
+            <p:ph type="title"/>
+          </p:nvPr>
+        </p:nvSpPr>
+        <p:spPr>
+          <a:xfrm>
+            <a:off x="838200" y="133897"/>
+            <a:ext cx="10515600" cy="495245"/>
+          </a:xfrm>
+        </p:spPr>
+        <p:txBody>
+          <a:bodyPr>
+            <a:normAutofit fontScale="90000"/>
+          </a:bodyPr>
+          <a:lstStyle/>
+          <a:p>
+            <a:pPr algn="ctr"/>
+            <a:r>
+              <a:rPr lang="en-US" b="1" u="sng" dirty="0">
+                <a:cs typeface="Calibri Light"/>
+              </a:rPr>
+              <a:t>More challenges a priori ?</a:t>
+            </a:r>
+          </a:p>
+        </p:txBody>
+      </p:sp>
+      <p:sp>
+        <p:nvSpPr>
+          <p:cNvPr id="3" name="Content Placeholder 2">
+            <a:extLst>
+              <a:ext uri="{FF2B5EF4-FFF2-40B4-BE49-F238E27FC236}">
+                <a16:creationId xmlns:a16="http://schemas.microsoft.com/office/drawing/2014/main" id="{B6090145-DFDF-46E5-AE37-6265FA983463}"/>
+              </a:ext>
+            </a:extLst>
+          </p:cNvPr>
+          <p:cNvSpPr>
+            <a:spLocks noGrp="1"/>
+          </p:cNvSpPr>
+          <p:nvPr>
+            <p:ph idx="1"/>
+          </p:nvPr>
+        </p:nvSpPr>
+        <p:spPr>
+          <a:xfrm>
+            <a:off x="838200" y="722039"/>
+            <a:ext cx="10515600" cy="4351338"/>
+          </a:xfrm>
+        </p:spPr>
+        <p:txBody>
+          <a:bodyPr/>
+          <a:lstStyle/>
+          <a:p>
+            <a:endParaRPr lang="en-US"/>
+          </a:p>
+        </p:txBody>
+      </p:sp>
+    </p:spTree>
+    <p:extLst>
+      <p:ext uri="{BB962C8B-B14F-4D97-AF65-F5344CB8AC3E}">
+        <p14:creationId xmlns:p14="http://schemas.microsoft.com/office/powerpoint/2010/main" val="3550374173"/>
       </p:ext>
     </p:extLst>
   </p:cSld>

--- a/PolliNet.pptx
+++ b/PolliNet.pptx
@@ -11,10 +11,11 @@
     <p:sldId id="257" r:id="rId5"/>
     <p:sldId id="258" r:id="rId6"/>
     <p:sldId id="261" r:id="rId7"/>
-    <p:sldId id="262" r:id="rId8"/>
-    <p:sldId id="263" r:id="rId9"/>
-    <p:sldId id="266" r:id="rId10"/>
-    <p:sldId id="264" r:id="rId11"/>
+    <p:sldId id="267" r:id="rId8"/>
+    <p:sldId id="262" r:id="rId9"/>
+    <p:sldId id="263" r:id="rId10"/>
+    <p:sldId id="266" r:id="rId11"/>
+    <p:sldId id="264" r:id="rId12"/>
   </p:sldIdLst>
   <p:sldSz cx="12192000" cy="6858000"/>
   <p:notesSz cx="6858000" cy="9144000"/>
@@ -3049,6 +3050,104 @@
 </file>
 
 <file path=ppt/slides/slide10.xml><?xml version="1.0" encoding="utf-8"?>
+<p:sld xmlns:a="http://schemas.openxmlformats.org/drawingml/2006/main" xmlns:r="http://schemas.openxmlformats.org/officeDocument/2006/relationships" xmlns:p="http://schemas.openxmlformats.org/presentationml/2006/main">
+  <p:cSld>
+    <p:spTree>
+      <p:nvGrpSpPr>
+        <p:cNvPr id="1" name=""/>
+        <p:cNvGrpSpPr/>
+        <p:nvPr/>
+      </p:nvGrpSpPr>
+      <p:grpSpPr>
+        <a:xfrm>
+          <a:off x="0" y="0"/>
+          <a:ext cx="0" cy="0"/>
+          <a:chOff x="0" y="0"/>
+          <a:chExt cx="0" cy="0"/>
+        </a:xfrm>
+      </p:grpSpPr>
+      <p:sp>
+        <p:nvSpPr>
+          <p:cNvPr id="2" name="Title 1">
+            <a:extLst>
+              <a:ext uri="{FF2B5EF4-FFF2-40B4-BE49-F238E27FC236}">
+                <a16:creationId xmlns:a16="http://schemas.microsoft.com/office/drawing/2014/main" id="{DFE1313C-3EA5-47AA-9AAB-B68411BA9A3E}"/>
+              </a:ext>
+            </a:extLst>
+          </p:cNvPr>
+          <p:cNvSpPr>
+            <a:spLocks noGrp="1"/>
+          </p:cNvSpPr>
+          <p:nvPr>
+            <p:ph type="title"/>
+          </p:nvPr>
+        </p:nvSpPr>
+        <p:spPr>
+          <a:xfrm>
+            <a:off x="838200" y="133897"/>
+            <a:ext cx="10515600" cy="495245"/>
+          </a:xfrm>
+        </p:spPr>
+        <p:txBody>
+          <a:bodyPr>
+            <a:normAutofit fontScale="90000"/>
+          </a:bodyPr>
+          <a:lstStyle/>
+          <a:p>
+            <a:pPr algn="ctr"/>
+            <a:r>
+              <a:rPr lang="en-US" b="1" u="sng" dirty="0">
+                <a:cs typeface="Calibri Light"/>
+              </a:rPr>
+              <a:t>More challenges a priori ?</a:t>
+            </a:r>
+          </a:p>
+        </p:txBody>
+      </p:sp>
+      <p:sp>
+        <p:nvSpPr>
+          <p:cNvPr id="3" name="Content Placeholder 2">
+            <a:extLst>
+              <a:ext uri="{FF2B5EF4-FFF2-40B4-BE49-F238E27FC236}">
+                <a16:creationId xmlns:a16="http://schemas.microsoft.com/office/drawing/2014/main" id="{B6090145-DFDF-46E5-AE37-6265FA983463}"/>
+              </a:ext>
+            </a:extLst>
+          </p:cNvPr>
+          <p:cNvSpPr>
+            <a:spLocks noGrp="1"/>
+          </p:cNvSpPr>
+          <p:nvPr>
+            <p:ph idx="1"/>
+          </p:nvPr>
+        </p:nvSpPr>
+        <p:spPr>
+          <a:xfrm>
+            <a:off x="838200" y="722039"/>
+            <a:ext cx="10515600" cy="4351338"/>
+          </a:xfrm>
+        </p:spPr>
+        <p:txBody>
+          <a:bodyPr/>
+          <a:lstStyle/>
+          <a:p>
+            <a:endParaRPr lang="en-US"/>
+          </a:p>
+        </p:txBody>
+      </p:sp>
+    </p:spTree>
+    <p:extLst>
+      <p:ext uri="{BB962C8B-B14F-4D97-AF65-F5344CB8AC3E}">
+        <p14:creationId xmlns:p14="http://schemas.microsoft.com/office/powerpoint/2010/main" val="3550374173"/>
+      </p:ext>
+    </p:extLst>
+  </p:cSld>
+  <p:clrMapOvr>
+    <a:masterClrMapping/>
+  </p:clrMapOvr>
+</p:sld>
+</file>
+
+<file path=ppt/slides/slide11.xml><?xml version="1.0" encoding="utf-8"?>
 <p:sld xmlns:a="http://schemas.openxmlformats.org/drawingml/2006/main" xmlns:r="http://schemas.openxmlformats.org/officeDocument/2006/relationships" xmlns:p="http://schemas.openxmlformats.org/presentationml/2006/main">
   <p:cSld>
     <p:spTree>
@@ -5044,6 +5143,186 @@
       </p:grpSpPr>
       <p:sp>
         <p:nvSpPr>
+          <p:cNvPr id="3" name="Content Placeholder 2">
+            <a:extLst>
+              <a:ext uri="{FF2B5EF4-FFF2-40B4-BE49-F238E27FC236}">
+                <a16:creationId xmlns:a16="http://schemas.microsoft.com/office/drawing/2014/main" id="{9C7CDACE-2623-1848-B361-3B7BD1514CB6}"/>
+              </a:ext>
+            </a:extLst>
+          </p:cNvPr>
+          <p:cNvSpPr>
+            <a:spLocks noGrp="1"/>
+          </p:cNvSpPr>
+          <p:nvPr>
+            <p:ph idx="1"/>
+          </p:nvPr>
+        </p:nvSpPr>
+        <p:spPr>
+          <a:xfrm>
+            <a:off x="838200" y="179696"/>
+            <a:ext cx="10515600" cy="2140734"/>
+          </a:xfrm>
+        </p:spPr>
+        <p:txBody>
+          <a:bodyPr>
+            <a:normAutofit fontScale="92500" lnSpcReduction="10000"/>
+          </a:bodyPr>
+          <a:lstStyle/>
+          <a:p>
+            <a:r>
+              <a:rPr lang="en-US" dirty="0"/>
+              <a:t>The GPS uses height (h) above the reference ellipsoid that approximates the earth's surface</a:t>
+            </a:r>
+          </a:p>
+          <a:p>
+            <a:r>
+              <a:rPr lang="en-US" dirty="0"/>
+              <a:t>The traditional, orthometric height (H) is the height above an imaginary surface called the geoid, which is determined by the earth's gravity and approximated by MSL. The signed difference between the two heights—the difference between the ellipsoid and geoid—is the geoid height (N). </a:t>
+            </a:r>
+          </a:p>
+        </p:txBody>
+      </p:sp>
+      <p:pic>
+        <p:nvPicPr>
+          <p:cNvPr id="5" name="Picture 4">
+            <a:extLst>
+              <a:ext uri="{FF2B5EF4-FFF2-40B4-BE49-F238E27FC236}">
+                <a16:creationId xmlns:a16="http://schemas.microsoft.com/office/drawing/2014/main" id="{53863937-BA77-C348-B87F-8EE4FEA911DB}"/>
+              </a:ext>
+            </a:extLst>
+          </p:cNvPr>
+          <p:cNvPicPr>
+            <a:picLocks noChangeAspect="1"/>
+          </p:cNvPicPr>
+          <p:nvPr/>
+        </p:nvPicPr>
+        <p:blipFill>
+          <a:blip r:embed="rId2">
+            <a:extLst>
+              <a:ext uri="{28A0092B-C50C-407E-A947-70E740481C1C}">
+                <a14:useLocalDpi xmlns:a14="http://schemas.microsoft.com/office/drawing/2010/main" val="0"/>
+              </a:ext>
+            </a:extLst>
+          </a:blip>
+          <a:stretch>
+            <a:fillRect/>
+          </a:stretch>
+        </p:blipFill>
+        <p:spPr>
+          <a:xfrm>
+            <a:off x="753381" y="2525342"/>
+            <a:ext cx="5449497" cy="3858244"/>
+          </a:xfrm>
+          <a:prstGeom prst="rect">
+            <a:avLst/>
+          </a:prstGeom>
+        </p:spPr>
+      </p:pic>
+      <p:pic>
+        <p:nvPicPr>
+          <p:cNvPr id="7" name="Picture 6">
+            <a:extLst>
+              <a:ext uri="{FF2B5EF4-FFF2-40B4-BE49-F238E27FC236}">
+                <a16:creationId xmlns:a16="http://schemas.microsoft.com/office/drawing/2014/main" id="{46277878-B0EC-0846-8C4B-7901900E61D6}"/>
+              </a:ext>
+            </a:extLst>
+          </p:cNvPr>
+          <p:cNvPicPr>
+            <a:picLocks noChangeAspect="1"/>
+          </p:cNvPicPr>
+          <p:nvPr/>
+        </p:nvPicPr>
+        <p:blipFill rotWithShape="1">
+          <a:blip r:embed="rId3">
+            <a:extLst>
+              <a:ext uri="{28A0092B-C50C-407E-A947-70E740481C1C}">
+                <a14:useLocalDpi xmlns:a14="http://schemas.microsoft.com/office/drawing/2010/main" val="0"/>
+              </a:ext>
+            </a:extLst>
+          </a:blip>
+          <a:srcRect l="57541" t="16104" r="6441" b="66753"/>
+          <a:stretch/>
+        </p:blipFill>
+        <p:spPr>
+          <a:xfrm>
+            <a:off x="6498071" y="2649415"/>
+            <a:ext cx="5426668" cy="3443844"/>
+          </a:xfrm>
+          <a:prstGeom prst="rect">
+            <a:avLst/>
+          </a:prstGeom>
+        </p:spPr>
+      </p:pic>
+      <p:sp>
+        <p:nvSpPr>
+          <p:cNvPr id="8" name="Rectangle 7">
+            <a:extLst>
+              <a:ext uri="{FF2B5EF4-FFF2-40B4-BE49-F238E27FC236}">
+                <a16:creationId xmlns:a16="http://schemas.microsoft.com/office/drawing/2014/main" id="{B813003C-1DDF-2B48-9699-8A16C50B923F}"/>
+              </a:ext>
+            </a:extLst>
+          </p:cNvPr>
+          <p:cNvSpPr/>
+          <p:nvPr/>
+        </p:nvSpPr>
+        <p:spPr>
+          <a:xfrm>
+            <a:off x="6498071" y="6198920"/>
+            <a:ext cx="3839577" cy="369332"/>
+          </a:xfrm>
+          <a:prstGeom prst="rect">
+            <a:avLst/>
+          </a:prstGeom>
+        </p:spPr>
+        <p:txBody>
+          <a:bodyPr wrap="none">
+            <a:spAutoFit/>
+          </a:bodyPr>
+          <a:lstStyle/>
+          <a:p>
+            <a:r>
+              <a:rPr lang="en-US" b="1" dirty="0"/>
+              <a:t>Altitude</a:t>
+            </a:r>
+            <a:r>
+              <a:rPr lang="en-US" dirty="0"/>
+              <a:t>: Meters above mean sea level.</a:t>
+            </a:r>
+          </a:p>
+        </p:txBody>
+      </p:sp>
+    </p:spTree>
+    <p:extLst>
+      <p:ext uri="{BB962C8B-B14F-4D97-AF65-F5344CB8AC3E}">
+        <p14:creationId xmlns:p14="http://schemas.microsoft.com/office/powerpoint/2010/main" val="1627319446"/>
+      </p:ext>
+    </p:extLst>
+  </p:cSld>
+  <p:clrMapOvr>
+    <a:masterClrMapping/>
+  </p:clrMapOvr>
+</p:sld>
+</file>
+
+<file path=ppt/slides/slide8.xml><?xml version="1.0" encoding="utf-8"?>
+<p:sld xmlns:a="http://schemas.openxmlformats.org/drawingml/2006/main" xmlns:r="http://schemas.openxmlformats.org/officeDocument/2006/relationships" xmlns:p="http://schemas.openxmlformats.org/presentationml/2006/main">
+  <p:cSld>
+    <p:spTree>
+      <p:nvGrpSpPr>
+        <p:cNvPr id="1" name=""/>
+        <p:cNvGrpSpPr/>
+        <p:nvPr/>
+      </p:nvGrpSpPr>
+      <p:grpSpPr>
+        <a:xfrm>
+          <a:off x="0" y="0"/>
+          <a:ext cx="0" cy="0"/>
+          <a:chOff x="0" y="0"/>
+          <a:chExt cx="0" cy="0"/>
+        </a:xfrm>
+      </p:grpSpPr>
+      <p:sp>
+        <p:nvSpPr>
           <p:cNvPr id="2" name="Title 1">
             <a:extLst>
               <a:ext uri="{FF2B5EF4-FFF2-40B4-BE49-F238E27FC236}">
@@ -6026,7 +6305,7 @@
 </p:sld>
 </file>
 
-<file path=ppt/slides/slide8.xml><?xml version="1.0" encoding="utf-8"?>
+<file path=ppt/slides/slide9.xml><?xml version="1.0" encoding="utf-8"?>
 <p:sld xmlns:a="http://schemas.openxmlformats.org/drawingml/2006/main" xmlns:r="http://schemas.openxmlformats.org/officeDocument/2006/relationships" xmlns:p="http://schemas.openxmlformats.org/presentationml/2006/main">
   <p:cSld>
     <p:spTree>
@@ -6160,104 +6439,6 @@
     <p:extLst>
       <p:ext uri="{BB962C8B-B14F-4D97-AF65-F5344CB8AC3E}">
         <p14:creationId xmlns:p14="http://schemas.microsoft.com/office/powerpoint/2010/main" val="3662414240"/>
-      </p:ext>
-    </p:extLst>
-  </p:cSld>
-  <p:clrMapOvr>
-    <a:masterClrMapping/>
-  </p:clrMapOvr>
-</p:sld>
-</file>
-
-<file path=ppt/slides/slide9.xml><?xml version="1.0" encoding="utf-8"?>
-<p:sld xmlns:a="http://schemas.openxmlformats.org/drawingml/2006/main" xmlns:r="http://schemas.openxmlformats.org/officeDocument/2006/relationships" xmlns:p="http://schemas.openxmlformats.org/presentationml/2006/main">
-  <p:cSld>
-    <p:spTree>
-      <p:nvGrpSpPr>
-        <p:cNvPr id="1" name=""/>
-        <p:cNvGrpSpPr/>
-        <p:nvPr/>
-      </p:nvGrpSpPr>
-      <p:grpSpPr>
-        <a:xfrm>
-          <a:off x="0" y="0"/>
-          <a:ext cx="0" cy="0"/>
-          <a:chOff x="0" y="0"/>
-          <a:chExt cx="0" cy="0"/>
-        </a:xfrm>
-      </p:grpSpPr>
-      <p:sp>
-        <p:nvSpPr>
-          <p:cNvPr id="2" name="Title 1">
-            <a:extLst>
-              <a:ext uri="{FF2B5EF4-FFF2-40B4-BE49-F238E27FC236}">
-                <a16:creationId xmlns:a16="http://schemas.microsoft.com/office/drawing/2014/main" id="{DFE1313C-3EA5-47AA-9AAB-B68411BA9A3E}"/>
-              </a:ext>
-            </a:extLst>
-          </p:cNvPr>
-          <p:cNvSpPr>
-            <a:spLocks noGrp="1"/>
-          </p:cNvSpPr>
-          <p:nvPr>
-            <p:ph type="title"/>
-          </p:nvPr>
-        </p:nvSpPr>
-        <p:spPr>
-          <a:xfrm>
-            <a:off x="838200" y="133897"/>
-            <a:ext cx="10515600" cy="495245"/>
-          </a:xfrm>
-        </p:spPr>
-        <p:txBody>
-          <a:bodyPr>
-            <a:normAutofit fontScale="90000"/>
-          </a:bodyPr>
-          <a:lstStyle/>
-          <a:p>
-            <a:pPr algn="ctr"/>
-            <a:r>
-              <a:rPr lang="en-US" b="1" u="sng" dirty="0">
-                <a:cs typeface="Calibri Light"/>
-              </a:rPr>
-              <a:t>More challenges a priori ?</a:t>
-            </a:r>
-          </a:p>
-        </p:txBody>
-      </p:sp>
-      <p:sp>
-        <p:nvSpPr>
-          <p:cNvPr id="3" name="Content Placeholder 2">
-            <a:extLst>
-              <a:ext uri="{FF2B5EF4-FFF2-40B4-BE49-F238E27FC236}">
-                <a16:creationId xmlns:a16="http://schemas.microsoft.com/office/drawing/2014/main" id="{B6090145-DFDF-46E5-AE37-6265FA983463}"/>
-              </a:ext>
-            </a:extLst>
-          </p:cNvPr>
-          <p:cNvSpPr>
-            <a:spLocks noGrp="1"/>
-          </p:cNvSpPr>
-          <p:nvPr>
-            <p:ph idx="1"/>
-          </p:nvPr>
-        </p:nvSpPr>
-        <p:spPr>
-          <a:xfrm>
-            <a:off x="838200" y="722039"/>
-            <a:ext cx="10515600" cy="4351338"/>
-          </a:xfrm>
-        </p:spPr>
-        <p:txBody>
-          <a:bodyPr/>
-          <a:lstStyle/>
-          <a:p>
-            <a:endParaRPr lang="en-US"/>
-          </a:p>
-        </p:txBody>
-      </p:sp>
-    </p:spTree>
-    <p:extLst>
-      <p:ext uri="{BB962C8B-B14F-4D97-AF65-F5344CB8AC3E}">
-        <p14:creationId xmlns:p14="http://schemas.microsoft.com/office/powerpoint/2010/main" val="3550374173"/>
       </p:ext>
     </p:extLst>
   </p:cSld>

--- a/PolliNet.pptx
+++ b/PolliNet.pptx
@@ -261,7 +261,7 @@
           <a:p>
             <a:fld id="{846CE7D5-CF57-46EF-B807-FDD0502418D4}" type="datetimeFigureOut">
               <a:rPr lang="en-US" smtClean="0"/>
-              <a:t>8/25/19</a:t>
+              <a:t>8/26/19</a:t>
             </a:fld>
             <a:endParaRPr lang="en-US"/>
           </a:p>
@@ -431,7 +431,7 @@
           <a:p>
             <a:fld id="{846CE7D5-CF57-46EF-B807-FDD0502418D4}" type="datetimeFigureOut">
               <a:rPr lang="en-US" smtClean="0"/>
-              <a:t>8/25/19</a:t>
+              <a:t>8/26/19</a:t>
             </a:fld>
             <a:endParaRPr lang="en-US"/>
           </a:p>
@@ -611,7 +611,7 @@
           <a:p>
             <a:fld id="{846CE7D5-CF57-46EF-B807-FDD0502418D4}" type="datetimeFigureOut">
               <a:rPr lang="en-US" smtClean="0"/>
-              <a:t>8/25/19</a:t>
+              <a:t>8/26/19</a:t>
             </a:fld>
             <a:endParaRPr lang="en-US"/>
           </a:p>
@@ -781,7 +781,7 @@
           <a:p>
             <a:fld id="{846CE7D5-CF57-46EF-B807-FDD0502418D4}" type="datetimeFigureOut">
               <a:rPr lang="en-US" smtClean="0"/>
-              <a:t>8/25/19</a:t>
+              <a:t>8/26/19</a:t>
             </a:fld>
             <a:endParaRPr lang="en-US"/>
           </a:p>
@@ -1027,7 +1027,7 @@
           <a:p>
             <a:fld id="{846CE7D5-CF57-46EF-B807-FDD0502418D4}" type="datetimeFigureOut">
               <a:rPr lang="en-US" smtClean="0"/>
-              <a:t>8/25/19</a:t>
+              <a:t>8/26/19</a:t>
             </a:fld>
             <a:endParaRPr lang="en-US"/>
           </a:p>
@@ -1259,7 +1259,7 @@
           <a:p>
             <a:fld id="{846CE7D5-CF57-46EF-B807-FDD0502418D4}" type="datetimeFigureOut">
               <a:rPr lang="en-US" smtClean="0"/>
-              <a:t>8/25/19</a:t>
+              <a:t>8/26/19</a:t>
             </a:fld>
             <a:endParaRPr lang="en-US"/>
           </a:p>
@@ -1626,7 +1626,7 @@
           <a:p>
             <a:fld id="{846CE7D5-CF57-46EF-B807-FDD0502418D4}" type="datetimeFigureOut">
               <a:rPr lang="en-US" smtClean="0"/>
-              <a:t>8/25/19</a:t>
+              <a:t>8/26/19</a:t>
             </a:fld>
             <a:endParaRPr lang="en-US"/>
           </a:p>
@@ -1744,7 +1744,7 @@
           <a:p>
             <a:fld id="{846CE7D5-CF57-46EF-B807-FDD0502418D4}" type="datetimeFigureOut">
               <a:rPr lang="en-US" smtClean="0"/>
-              <a:t>8/25/19</a:t>
+              <a:t>8/26/19</a:t>
             </a:fld>
             <a:endParaRPr lang="en-US"/>
           </a:p>
@@ -1839,7 +1839,7 @@
           <a:p>
             <a:fld id="{846CE7D5-CF57-46EF-B807-FDD0502418D4}" type="datetimeFigureOut">
               <a:rPr lang="en-US" smtClean="0"/>
-              <a:t>8/25/19</a:t>
+              <a:t>8/26/19</a:t>
             </a:fld>
             <a:endParaRPr lang="en-US"/>
           </a:p>
@@ -2116,7 +2116,7 @@
           <a:p>
             <a:fld id="{846CE7D5-CF57-46EF-B807-FDD0502418D4}" type="datetimeFigureOut">
               <a:rPr lang="en-US" smtClean="0"/>
-              <a:t>8/25/19</a:t>
+              <a:t>8/26/19</a:t>
             </a:fld>
             <a:endParaRPr lang="en-US"/>
           </a:p>
@@ -2373,7 +2373,7 @@
           <a:p>
             <a:fld id="{846CE7D5-CF57-46EF-B807-FDD0502418D4}" type="datetimeFigureOut">
               <a:rPr lang="en-US" smtClean="0"/>
-              <a:t>8/25/19</a:t>
+              <a:t>8/26/19</a:t>
             </a:fld>
             <a:endParaRPr lang="en-US"/>
           </a:p>
@@ -2586,7 +2586,7 @@
           <a:p>
             <a:fld id="{846CE7D5-CF57-46EF-B807-FDD0502418D4}" type="datetimeFigureOut">
               <a:rPr lang="en-US" smtClean="0"/>
-              <a:t>8/25/19</a:t>
+              <a:t>8/26/19</a:t>
             </a:fld>
             <a:endParaRPr lang="en-US"/>
           </a:p>
@@ -3130,7 +3130,7 @@
           <a:bodyPr/>
           <a:lstStyle/>
           <a:p>
-            <a:endParaRPr lang="en-US"/>
+            <a:endParaRPr lang="en-US" dirty="0"/>
           </a:p>
         </p:txBody>
       </p:sp>
@@ -3560,8 +3560,71 @@
               <a:rPr lang="en-US" sz="1400" dirty="0">
                 <a:cs typeface="Calibri"/>
               </a:rPr>
-              <a:t>Aug 26th 2019</a:t>
-            </a:r>
+              <a:t>Aug 26th 2019: </a:t>
+            </a:r>
+          </a:p>
+          <a:p>
+            <a:pPr>
+              <a:buFont typeface="Wingdings" pitchFamily="2" charset="2"/>
+              <a:buChar char="à"/>
+            </a:pPr>
+            <a:r>
+              <a:rPr lang="en-US" sz="1400" dirty="0">
+                <a:cs typeface="Calibri"/>
+              </a:rPr>
+              <a:t>Start with one flower and one pollinator, one task at a time.</a:t>
+            </a:r>
+          </a:p>
+          <a:p>
+            <a:pPr>
+              <a:buFont typeface="Wingdings" pitchFamily="2" charset="2"/>
+              <a:buChar char="à"/>
+            </a:pPr>
+            <a:r>
+              <a:rPr lang="en-US" sz="1400" dirty="0">
+                <a:cs typeface="Calibri"/>
+              </a:rPr>
+              <a:t>Zero the Hight difference.</a:t>
+            </a:r>
+          </a:p>
+          <a:p>
+            <a:pPr>
+              <a:buFont typeface="Wingdings" pitchFamily="2" charset="2"/>
+              <a:buChar char="à"/>
+            </a:pPr>
+            <a:r>
+              <a:rPr lang="en-US" sz="1400" dirty="0">
+                <a:cs typeface="Calibri"/>
+              </a:rPr>
+              <a:t>Use the model to infer distance.</a:t>
+            </a:r>
+          </a:p>
+          <a:p>
+            <a:pPr>
+              <a:buFont typeface="Wingdings" pitchFamily="2" charset="2"/>
+              <a:buChar char="à"/>
+            </a:pPr>
+            <a:r>
+              <a:rPr lang="en-US" sz="1400" dirty="0">
+                <a:cs typeface="Calibri"/>
+              </a:rPr>
+              <a:t>Rotate and control Hight until pollinator finds flower.</a:t>
+            </a:r>
+          </a:p>
+          <a:p>
+            <a:pPr>
+              <a:buFont typeface="Wingdings" pitchFamily="2" charset="2"/>
+              <a:buChar char="à"/>
+            </a:pPr>
+            <a:endParaRPr lang="en-US" sz="1400" dirty="0">
+              <a:cs typeface="Calibri"/>
+            </a:endParaRPr>
+          </a:p>
+          <a:p>
+            <a:pPr>
+              <a:buFont typeface="Wingdings" pitchFamily="2" charset="2"/>
+              <a:buChar char="à"/>
+            </a:pPr>
             <a:endParaRPr lang="en-US" dirty="0">
               <a:cs typeface="Calibri"/>
             </a:endParaRPr>
